--- a/doc/advanced/slides/lesson_03.pptx
+++ b/doc/advanced/slides/lesson_03.pptx
@@ -5,7 +5,7 @@
     <p:sldMasterId id="2147483648" r:id="rId1"/>
   </p:sldMasterIdLst>
   <p:notesMasterIdLst>
-    <p:notesMasterId r:id="rId22"/>
+    <p:notesMasterId r:id="rId31"/>
   </p:notesMasterIdLst>
   <p:sldIdLst>
     <p:sldId id="256" r:id="rId2"/>
@@ -27,7 +27,16 @@
     <p:sldId id="286" r:id="rId18"/>
     <p:sldId id="287" r:id="rId19"/>
     <p:sldId id="288" r:id="rId20"/>
-    <p:sldId id="271" r:id="rId21"/>
+    <p:sldId id="289" r:id="rId21"/>
+    <p:sldId id="290" r:id="rId22"/>
+    <p:sldId id="291" r:id="rId23"/>
+    <p:sldId id="328" r:id="rId24"/>
+    <p:sldId id="329" r:id="rId25"/>
+    <p:sldId id="330" r:id="rId26"/>
+    <p:sldId id="331" r:id="rId27"/>
+    <p:sldId id="332" r:id="rId28"/>
+    <p:sldId id="333" r:id="rId29"/>
+    <p:sldId id="271" r:id="rId30"/>
   </p:sldIdLst>
   <p:sldSz cx="12192000" cy="6858000"/>
   <p:notesSz cx="6858000" cy="9144000"/>
@@ -216,7 +225,7 @@
           <a:p>
             <a:fld id="{9B5B52BA-3295-0343-9E28-A260A811DD10}" type="datetimeFigureOut">
               <a:rPr lang="en-US" smtClean="0"/>
-              <a:t>14-Aug-18</a:t>
+              <a:t>8/3/19</a:t>
             </a:fld>
             <a:endParaRPr lang="en-US"/>
           </a:p>
@@ -280,38 +289,37 @@
           <a:p>
             <a:pPr lvl="0"/>
             <a:r>
-              <a:rPr lang="en-US" smtClean="0"/>
+              <a:rPr lang="en-US"/>
               <a:t>Click to edit Master text styles</a:t>
             </a:r>
           </a:p>
           <a:p>
             <a:pPr lvl="1"/>
             <a:r>
-              <a:rPr lang="en-US" smtClean="0"/>
+              <a:rPr lang="en-US"/>
               <a:t>Second level</a:t>
             </a:r>
           </a:p>
           <a:p>
             <a:pPr lvl="2"/>
             <a:r>
-              <a:rPr lang="en-US" smtClean="0"/>
+              <a:rPr lang="en-US"/>
               <a:t>Third level</a:t>
             </a:r>
           </a:p>
           <a:p>
             <a:pPr lvl="3"/>
             <a:r>
-              <a:rPr lang="en-US" smtClean="0"/>
+              <a:rPr lang="en-US"/>
               <a:t>Fourth level</a:t>
             </a:r>
           </a:p>
           <a:p>
             <a:pPr lvl="4"/>
             <a:r>
-              <a:rPr lang="en-US" smtClean="0"/>
+              <a:rPr lang="en-US"/>
               <a:t>Fifth level</a:t>
             </a:r>
-            <a:endParaRPr lang="en-US"/>
           </a:p>
         </p:txBody>
       </p:sp>
@@ -526,10 +534,9 @@
           </a:lstStyle>
           <a:p>
             <a:r>
-              <a:rPr lang="en-US" dirty="0" smtClean="0"/>
+              <a:rPr lang="en-US" dirty="0"/>
               <a:t>Click to edit Master title style</a:t>
             </a:r>
-            <a:endParaRPr lang="en-US" dirty="0"/>
           </a:p>
         </p:txBody>
       </p:sp>
@@ -591,10 +598,9 @@
           </a:lstStyle>
           <a:p>
             <a:r>
-              <a:rPr lang="en-US" dirty="0" smtClean="0"/>
+              <a:rPr lang="en-US" dirty="0"/>
               <a:t>Click to edit Master subtitle style</a:t>
             </a:r>
-            <a:endParaRPr lang="en-US" dirty="0"/>
           </a:p>
         </p:txBody>
       </p:sp>
@@ -615,7 +621,7 @@
           <a:p>
             <a:fld id="{04F1D4A2-813C-F741-B481-C92B3A596030}" type="datetimeFigureOut">
               <a:rPr lang="en-US" smtClean="0"/>
-              <a:t>14-Aug-18</a:t>
+              <a:t>8/3/19</a:t>
             </a:fld>
             <a:endParaRPr lang="en-US"/>
           </a:p>
@@ -709,10 +715,9 @@
           <a:lstStyle/>
           <a:p>
             <a:r>
-              <a:rPr lang="en-US" smtClean="0"/>
+              <a:rPr lang="en-US"/>
               <a:t>Click to edit Master title style</a:t>
             </a:r>
-            <a:endParaRPr lang="en-US"/>
           </a:p>
         </p:txBody>
       </p:sp>
@@ -733,38 +738,37 @@
           <a:p>
             <a:pPr lvl="0"/>
             <a:r>
-              <a:rPr lang="en-US" smtClean="0"/>
+              <a:rPr lang="en-US"/>
               <a:t>Click to edit Master text styles</a:t>
             </a:r>
           </a:p>
           <a:p>
             <a:pPr lvl="1"/>
             <a:r>
-              <a:rPr lang="en-US" smtClean="0"/>
+              <a:rPr lang="en-US"/>
               <a:t>Second level</a:t>
             </a:r>
           </a:p>
           <a:p>
             <a:pPr lvl="2"/>
             <a:r>
-              <a:rPr lang="en-US" smtClean="0"/>
+              <a:rPr lang="en-US"/>
               <a:t>Third level</a:t>
             </a:r>
           </a:p>
           <a:p>
             <a:pPr lvl="3"/>
             <a:r>
-              <a:rPr lang="en-US" smtClean="0"/>
+              <a:rPr lang="en-US"/>
               <a:t>Fourth level</a:t>
             </a:r>
           </a:p>
           <a:p>
             <a:pPr lvl="4"/>
             <a:r>
-              <a:rPr lang="en-US" smtClean="0"/>
+              <a:rPr lang="en-US"/>
               <a:t>Fifth level</a:t>
             </a:r>
-            <a:endParaRPr lang="en-US"/>
           </a:p>
         </p:txBody>
       </p:sp>
@@ -785,7 +789,7 @@
           <a:p>
             <a:fld id="{04F1D4A2-813C-F741-B481-C92B3A596030}" type="datetimeFigureOut">
               <a:rPr lang="en-US" smtClean="0"/>
-              <a:t>14-Aug-18</a:t>
+              <a:t>8/3/19</a:t>
             </a:fld>
             <a:endParaRPr lang="en-US"/>
           </a:p>
@@ -884,10 +888,9 @@
           <a:lstStyle/>
           <a:p>
             <a:r>
-              <a:rPr lang="en-US" smtClean="0"/>
+              <a:rPr lang="en-US"/>
               <a:t>Click to edit Master title style</a:t>
             </a:r>
-            <a:endParaRPr lang="en-US"/>
           </a:p>
         </p:txBody>
       </p:sp>
@@ -913,38 +916,37 @@
           <a:p>
             <a:pPr lvl="0"/>
             <a:r>
-              <a:rPr lang="en-US" smtClean="0"/>
+              <a:rPr lang="en-US"/>
               <a:t>Click to edit Master text styles</a:t>
             </a:r>
           </a:p>
           <a:p>
             <a:pPr lvl="1"/>
             <a:r>
-              <a:rPr lang="en-US" smtClean="0"/>
+              <a:rPr lang="en-US"/>
               <a:t>Second level</a:t>
             </a:r>
           </a:p>
           <a:p>
             <a:pPr lvl="2"/>
             <a:r>
-              <a:rPr lang="en-US" smtClean="0"/>
+              <a:rPr lang="en-US"/>
               <a:t>Third level</a:t>
             </a:r>
           </a:p>
           <a:p>
             <a:pPr lvl="3"/>
             <a:r>
-              <a:rPr lang="en-US" smtClean="0"/>
+              <a:rPr lang="en-US"/>
               <a:t>Fourth level</a:t>
             </a:r>
           </a:p>
           <a:p>
             <a:pPr lvl="4"/>
             <a:r>
-              <a:rPr lang="en-US" smtClean="0"/>
+              <a:rPr lang="en-US"/>
               <a:t>Fifth level</a:t>
             </a:r>
-            <a:endParaRPr lang="en-US"/>
           </a:p>
         </p:txBody>
       </p:sp>
@@ -965,7 +967,7 @@
           <a:p>
             <a:fld id="{04F1D4A2-813C-F741-B481-C92B3A596030}" type="datetimeFigureOut">
               <a:rPr lang="en-US" smtClean="0"/>
-              <a:t>14-Aug-18</a:t>
+              <a:t>8/3/19</a:t>
             </a:fld>
             <a:endParaRPr lang="en-US"/>
           </a:p>
@@ -1221,10 +1223,9 @@
           </a:lstStyle>
           <a:p>
             <a:r>
-              <a:rPr lang="en-US" dirty="0" smtClean="0"/>
+              <a:rPr lang="en-US" dirty="0"/>
               <a:t>Click to edit Master title style</a:t>
             </a:r>
-            <a:endParaRPr lang="en-US" dirty="0"/>
           </a:p>
         </p:txBody>
       </p:sp>
@@ -1252,38 +1253,37 @@
           <a:p>
             <a:pPr lvl="0"/>
             <a:r>
-              <a:rPr lang="en-US" dirty="0" smtClean="0"/>
+              <a:rPr lang="en-US" dirty="0"/>
               <a:t>Click to edit Master text styles</a:t>
             </a:r>
           </a:p>
           <a:p>
             <a:pPr lvl="1"/>
             <a:r>
-              <a:rPr lang="en-US" dirty="0" smtClean="0"/>
+              <a:rPr lang="en-US" dirty="0"/>
               <a:t>Second level</a:t>
             </a:r>
           </a:p>
           <a:p>
             <a:pPr lvl="2"/>
             <a:r>
-              <a:rPr lang="en-US" dirty="0" smtClean="0"/>
+              <a:rPr lang="en-US" dirty="0"/>
               <a:t>Third level</a:t>
             </a:r>
           </a:p>
           <a:p>
             <a:pPr lvl="3"/>
             <a:r>
-              <a:rPr lang="en-US" dirty="0" smtClean="0"/>
+              <a:rPr lang="en-US" dirty="0"/>
               <a:t>Fourth level</a:t>
             </a:r>
           </a:p>
           <a:p>
             <a:pPr lvl="4"/>
             <a:r>
-              <a:rPr lang="en-US" dirty="0" smtClean="0"/>
+              <a:rPr lang="en-US" dirty="0"/>
               <a:t>Fifth level</a:t>
             </a:r>
-            <a:endParaRPr lang="en-US" dirty="0"/>
           </a:p>
         </p:txBody>
       </p:sp>
@@ -1304,7 +1304,7 @@
           <a:p>
             <a:fld id="{04F1D4A2-813C-F741-B481-C92B3A596030}" type="datetimeFigureOut">
               <a:rPr lang="en-US" smtClean="0"/>
-              <a:t>14-Aug-18</a:t>
+              <a:t>8/3/19</a:t>
             </a:fld>
             <a:endParaRPr lang="en-US"/>
           </a:p>
@@ -1407,10 +1407,9 @@
           </a:lstStyle>
           <a:p>
             <a:r>
-              <a:rPr lang="en-US" smtClean="0"/>
+              <a:rPr lang="en-US"/>
               <a:t>Click to edit Master title style</a:t>
             </a:r>
-            <a:endParaRPr lang="en-US"/>
           </a:p>
         </p:txBody>
       </p:sp>
@@ -1527,7 +1526,7 @@
           <a:p>
             <a:pPr lvl="0"/>
             <a:r>
-              <a:rPr lang="en-US" smtClean="0"/>
+              <a:rPr lang="en-US"/>
               <a:t>Click to edit Master text styles</a:t>
             </a:r>
           </a:p>
@@ -1550,7 +1549,7 @@
           <a:p>
             <a:fld id="{04F1D4A2-813C-F741-B481-C92B3A596030}" type="datetimeFigureOut">
               <a:rPr lang="en-US" smtClean="0"/>
-              <a:t>14-Aug-18</a:t>
+              <a:t>8/3/19</a:t>
             </a:fld>
             <a:endParaRPr lang="en-US"/>
           </a:p>
@@ -1644,10 +1643,9 @@
           <a:lstStyle/>
           <a:p>
             <a:r>
-              <a:rPr lang="en-US" smtClean="0"/>
+              <a:rPr lang="en-US"/>
               <a:t>Click to edit Master title style</a:t>
             </a:r>
-            <a:endParaRPr lang="en-US"/>
           </a:p>
         </p:txBody>
       </p:sp>
@@ -1673,38 +1671,37 @@
           <a:p>
             <a:pPr lvl="0"/>
             <a:r>
-              <a:rPr lang="en-US" smtClean="0"/>
+              <a:rPr lang="en-US"/>
               <a:t>Click to edit Master text styles</a:t>
             </a:r>
           </a:p>
           <a:p>
             <a:pPr lvl="1"/>
             <a:r>
-              <a:rPr lang="en-US" smtClean="0"/>
+              <a:rPr lang="en-US"/>
               <a:t>Second level</a:t>
             </a:r>
           </a:p>
           <a:p>
             <a:pPr lvl="2"/>
             <a:r>
-              <a:rPr lang="en-US" smtClean="0"/>
+              <a:rPr lang="en-US"/>
               <a:t>Third level</a:t>
             </a:r>
           </a:p>
           <a:p>
             <a:pPr lvl="3"/>
             <a:r>
-              <a:rPr lang="en-US" smtClean="0"/>
+              <a:rPr lang="en-US"/>
               <a:t>Fourth level</a:t>
             </a:r>
           </a:p>
           <a:p>
             <a:pPr lvl="4"/>
             <a:r>
-              <a:rPr lang="en-US" smtClean="0"/>
+              <a:rPr lang="en-US"/>
               <a:t>Fifth level</a:t>
             </a:r>
-            <a:endParaRPr lang="en-US"/>
           </a:p>
         </p:txBody>
       </p:sp>
@@ -1730,38 +1727,37 @@
           <a:p>
             <a:pPr lvl="0"/>
             <a:r>
-              <a:rPr lang="en-US" smtClean="0"/>
+              <a:rPr lang="en-US"/>
               <a:t>Click to edit Master text styles</a:t>
             </a:r>
           </a:p>
           <a:p>
             <a:pPr lvl="1"/>
             <a:r>
-              <a:rPr lang="en-US" smtClean="0"/>
+              <a:rPr lang="en-US"/>
               <a:t>Second level</a:t>
             </a:r>
           </a:p>
           <a:p>
             <a:pPr lvl="2"/>
             <a:r>
-              <a:rPr lang="en-US" smtClean="0"/>
+              <a:rPr lang="en-US"/>
               <a:t>Third level</a:t>
             </a:r>
           </a:p>
           <a:p>
             <a:pPr lvl="3"/>
             <a:r>
-              <a:rPr lang="en-US" smtClean="0"/>
+              <a:rPr lang="en-US"/>
               <a:t>Fourth level</a:t>
             </a:r>
           </a:p>
           <a:p>
             <a:pPr lvl="4"/>
             <a:r>
-              <a:rPr lang="en-US" smtClean="0"/>
+              <a:rPr lang="en-US"/>
               <a:t>Fifth level</a:t>
             </a:r>
-            <a:endParaRPr lang="en-US"/>
           </a:p>
         </p:txBody>
       </p:sp>
@@ -1782,7 +1778,7 @@
           <a:p>
             <a:fld id="{04F1D4A2-813C-F741-B481-C92B3A596030}" type="datetimeFigureOut">
               <a:rPr lang="en-US" smtClean="0"/>
-              <a:t>14-Aug-18</a:t>
+              <a:t>8/3/19</a:t>
             </a:fld>
             <a:endParaRPr lang="en-US"/>
           </a:p>
@@ -1881,10 +1877,9 @@
           <a:lstStyle/>
           <a:p>
             <a:r>
-              <a:rPr lang="en-US" smtClean="0"/>
+              <a:rPr lang="en-US"/>
               <a:t>Click to edit Master title style</a:t>
             </a:r>
-            <a:endParaRPr lang="en-US"/>
           </a:p>
         </p:txBody>
       </p:sp>
@@ -1947,7 +1942,7 @@
           <a:p>
             <a:pPr lvl="0"/>
             <a:r>
-              <a:rPr lang="en-US" smtClean="0"/>
+              <a:rPr lang="en-US"/>
               <a:t>Click to edit Master text styles</a:t>
             </a:r>
           </a:p>
@@ -1975,38 +1970,37 @@
           <a:p>
             <a:pPr lvl="0"/>
             <a:r>
-              <a:rPr lang="en-US" smtClean="0"/>
+              <a:rPr lang="en-US"/>
               <a:t>Click to edit Master text styles</a:t>
             </a:r>
           </a:p>
           <a:p>
             <a:pPr lvl="1"/>
             <a:r>
-              <a:rPr lang="en-US" smtClean="0"/>
+              <a:rPr lang="en-US"/>
               <a:t>Second level</a:t>
             </a:r>
           </a:p>
           <a:p>
             <a:pPr lvl="2"/>
             <a:r>
-              <a:rPr lang="en-US" smtClean="0"/>
+              <a:rPr lang="en-US"/>
               <a:t>Third level</a:t>
             </a:r>
           </a:p>
           <a:p>
             <a:pPr lvl="3"/>
             <a:r>
-              <a:rPr lang="en-US" smtClean="0"/>
+              <a:rPr lang="en-US"/>
               <a:t>Fourth level</a:t>
             </a:r>
           </a:p>
           <a:p>
             <a:pPr lvl="4"/>
             <a:r>
-              <a:rPr lang="en-US" smtClean="0"/>
+              <a:rPr lang="en-US"/>
               <a:t>Fifth level</a:t>
             </a:r>
-            <a:endParaRPr lang="en-US"/>
           </a:p>
         </p:txBody>
       </p:sp>
@@ -2069,7 +2063,7 @@
           <a:p>
             <a:pPr lvl="0"/>
             <a:r>
-              <a:rPr lang="en-US" smtClean="0"/>
+              <a:rPr lang="en-US"/>
               <a:t>Click to edit Master text styles</a:t>
             </a:r>
           </a:p>
@@ -2097,38 +2091,37 @@
           <a:p>
             <a:pPr lvl="0"/>
             <a:r>
-              <a:rPr lang="en-US" smtClean="0"/>
+              <a:rPr lang="en-US"/>
               <a:t>Click to edit Master text styles</a:t>
             </a:r>
           </a:p>
           <a:p>
             <a:pPr lvl="1"/>
             <a:r>
-              <a:rPr lang="en-US" smtClean="0"/>
+              <a:rPr lang="en-US"/>
               <a:t>Second level</a:t>
             </a:r>
           </a:p>
           <a:p>
             <a:pPr lvl="2"/>
             <a:r>
-              <a:rPr lang="en-US" smtClean="0"/>
+              <a:rPr lang="en-US"/>
               <a:t>Third level</a:t>
             </a:r>
           </a:p>
           <a:p>
             <a:pPr lvl="3"/>
             <a:r>
-              <a:rPr lang="en-US" smtClean="0"/>
+              <a:rPr lang="en-US"/>
               <a:t>Fourth level</a:t>
             </a:r>
           </a:p>
           <a:p>
             <a:pPr lvl="4"/>
             <a:r>
-              <a:rPr lang="en-US" smtClean="0"/>
+              <a:rPr lang="en-US"/>
               <a:t>Fifth level</a:t>
             </a:r>
-            <a:endParaRPr lang="en-US"/>
           </a:p>
         </p:txBody>
       </p:sp>
@@ -2149,7 +2142,7 @@
           <a:p>
             <a:fld id="{04F1D4A2-813C-F741-B481-C92B3A596030}" type="datetimeFigureOut">
               <a:rPr lang="en-US" smtClean="0"/>
-              <a:t>14-Aug-18</a:t>
+              <a:t>8/3/19</a:t>
             </a:fld>
             <a:endParaRPr lang="en-US"/>
           </a:p>
@@ -2243,10 +2236,9 @@
           <a:lstStyle/>
           <a:p>
             <a:r>
-              <a:rPr lang="en-US" smtClean="0"/>
+              <a:rPr lang="en-US"/>
               <a:t>Click to edit Master title style</a:t>
             </a:r>
-            <a:endParaRPr lang="en-US"/>
           </a:p>
         </p:txBody>
       </p:sp>
@@ -2267,7 +2259,7 @@
           <a:p>
             <a:fld id="{04F1D4A2-813C-F741-B481-C92B3A596030}" type="datetimeFigureOut">
               <a:rPr lang="en-US" smtClean="0"/>
-              <a:t>14-Aug-18</a:t>
+              <a:t>8/3/19</a:t>
             </a:fld>
             <a:endParaRPr lang="en-US"/>
           </a:p>
@@ -2362,7 +2354,7 @@
           <a:p>
             <a:fld id="{04F1D4A2-813C-F741-B481-C92B3A596030}" type="datetimeFigureOut">
               <a:rPr lang="en-US" smtClean="0"/>
-              <a:t>14-Aug-18</a:t>
+              <a:t>8/3/19</a:t>
             </a:fld>
             <a:endParaRPr lang="en-US"/>
           </a:p>
@@ -2465,10 +2457,9 @@
           </a:lstStyle>
           <a:p>
             <a:r>
-              <a:rPr lang="en-US" smtClean="0"/>
+              <a:rPr lang="en-US"/>
               <a:t>Click to edit Master title style</a:t>
             </a:r>
-            <a:endParaRPr lang="en-US"/>
           </a:p>
         </p:txBody>
       </p:sp>
@@ -2522,38 +2513,37 @@
           <a:p>
             <a:pPr lvl="0"/>
             <a:r>
-              <a:rPr lang="en-US" smtClean="0"/>
+              <a:rPr lang="en-US"/>
               <a:t>Click to edit Master text styles</a:t>
             </a:r>
           </a:p>
           <a:p>
             <a:pPr lvl="1"/>
             <a:r>
-              <a:rPr lang="en-US" smtClean="0"/>
+              <a:rPr lang="en-US"/>
               <a:t>Second level</a:t>
             </a:r>
           </a:p>
           <a:p>
             <a:pPr lvl="2"/>
             <a:r>
-              <a:rPr lang="en-US" smtClean="0"/>
+              <a:rPr lang="en-US"/>
               <a:t>Third level</a:t>
             </a:r>
           </a:p>
           <a:p>
             <a:pPr lvl="3"/>
             <a:r>
-              <a:rPr lang="en-US" smtClean="0"/>
+              <a:rPr lang="en-US"/>
               <a:t>Fourth level</a:t>
             </a:r>
           </a:p>
           <a:p>
             <a:pPr lvl="4"/>
             <a:r>
-              <a:rPr lang="en-US" smtClean="0"/>
+              <a:rPr lang="en-US"/>
               <a:t>Fifth level</a:t>
             </a:r>
-            <a:endParaRPr lang="en-US"/>
           </a:p>
         </p:txBody>
       </p:sp>
@@ -2616,7 +2606,7 @@
           <a:p>
             <a:pPr lvl="0"/>
             <a:r>
-              <a:rPr lang="en-US" smtClean="0"/>
+              <a:rPr lang="en-US"/>
               <a:t>Click to edit Master text styles</a:t>
             </a:r>
           </a:p>
@@ -2639,7 +2629,7 @@
           <a:p>
             <a:fld id="{04F1D4A2-813C-F741-B481-C92B3A596030}" type="datetimeFigureOut">
               <a:rPr lang="en-US" smtClean="0"/>
-              <a:t>14-Aug-18</a:t>
+              <a:t>8/3/19</a:t>
             </a:fld>
             <a:endParaRPr lang="en-US"/>
           </a:p>
@@ -2742,10 +2732,9 @@
           </a:lstStyle>
           <a:p>
             <a:r>
-              <a:rPr lang="en-US" smtClean="0"/>
+              <a:rPr lang="en-US"/>
               <a:t>Click to edit Master title style</a:t>
             </a:r>
-            <a:endParaRPr lang="en-US"/>
           </a:p>
         </p:txBody>
       </p:sp>
@@ -2869,7 +2858,7 @@
           <a:p>
             <a:pPr lvl="0"/>
             <a:r>
-              <a:rPr lang="en-US" smtClean="0"/>
+              <a:rPr lang="en-US"/>
               <a:t>Click to edit Master text styles</a:t>
             </a:r>
           </a:p>
@@ -2892,7 +2881,7 @@
           <a:p>
             <a:fld id="{04F1D4A2-813C-F741-B481-C92B3A596030}" type="datetimeFigureOut">
               <a:rPr lang="en-US" smtClean="0"/>
-              <a:t>14-Aug-18</a:t>
+              <a:t>8/3/19</a:t>
             </a:fld>
             <a:endParaRPr lang="en-US"/>
           </a:p>
@@ -3001,10 +2990,9 @@
           <a:lstStyle/>
           <a:p>
             <a:r>
-              <a:rPr lang="en-US" dirty="0" smtClean="0"/>
+              <a:rPr lang="en-US" dirty="0"/>
               <a:t>Click to edit Master title style</a:t>
             </a:r>
-            <a:endParaRPr lang="en-US" dirty="0"/>
           </a:p>
         </p:txBody>
       </p:sp>
@@ -3035,38 +3023,37 @@
           <a:p>
             <a:pPr lvl="0"/>
             <a:r>
-              <a:rPr lang="en-US" smtClean="0"/>
+              <a:rPr lang="en-US"/>
               <a:t>Click to edit Master text styles</a:t>
             </a:r>
           </a:p>
           <a:p>
             <a:pPr lvl="1"/>
             <a:r>
-              <a:rPr lang="en-US" smtClean="0"/>
+              <a:rPr lang="en-US"/>
               <a:t>Second level</a:t>
             </a:r>
           </a:p>
           <a:p>
             <a:pPr lvl="2"/>
             <a:r>
-              <a:rPr lang="en-US" smtClean="0"/>
+              <a:rPr lang="en-US"/>
               <a:t>Third level</a:t>
             </a:r>
           </a:p>
           <a:p>
             <a:pPr lvl="3"/>
             <a:r>
-              <a:rPr lang="en-US" smtClean="0"/>
+              <a:rPr lang="en-US"/>
               <a:t>Fourth level</a:t>
             </a:r>
           </a:p>
           <a:p>
             <a:pPr lvl="4"/>
             <a:r>
-              <a:rPr lang="en-US" smtClean="0"/>
+              <a:rPr lang="en-US"/>
               <a:t>Fifth level</a:t>
             </a:r>
-            <a:endParaRPr lang="en-US"/>
           </a:p>
         </p:txBody>
       </p:sp>
@@ -3105,7 +3092,7 @@
           <a:p>
             <a:fld id="{04F1D4A2-813C-F741-B481-C92B3A596030}" type="datetimeFigureOut">
               <a:rPr lang="en-US" smtClean="0"/>
-              <a:t>14-Aug-18</a:t>
+              <a:t>8/3/19</a:t>
             </a:fld>
             <a:endParaRPr lang="en-US"/>
           </a:p>
@@ -3524,7 +3511,7 @@
         <p:spPr>
           <a:xfrm>
             <a:off x="396240" y="1122362"/>
-            <a:ext cx="11490960" cy="3612923"/>
+            <a:ext cx="11490960" cy="4497203"/>
           </a:xfrm>
         </p:spPr>
         <p:txBody>
@@ -3535,36 +3522,34 @@
           <a:p>
             <a:pPr algn="l"/>
             <a:r>
-              <a:rPr lang="en-US" dirty="0" smtClean="0"/>
+              <a:rPr lang="en-US" dirty="0"/>
               <a:t>Enterprise </a:t>
             </a:r>
             <a:r>
-              <a:rPr lang="en-US" dirty="0" err="1" smtClean="0"/>
+              <a:rPr lang="en-US" dirty="0" err="1"/>
               <a:t>Programmering</a:t>
             </a:r>
             <a:r>
-              <a:rPr lang="en-US" dirty="0" smtClean="0"/>
+              <a:rPr lang="en-US" dirty="0"/>
               <a:t> 2</a:t>
             </a:r>
             <a:br>
-              <a:rPr lang="en-US" dirty="0" smtClean="0"/>
+              <a:rPr lang="en-US" dirty="0"/>
             </a:br>
-            <a:r>
-              <a:rPr lang="en-US" dirty="0" smtClean="0"/>
-              <a:t/>
-            </a:r>
             <a:br>
-              <a:rPr lang="en-US" dirty="0" smtClean="0"/>
+              <a:rPr lang="en-US" dirty="0"/>
             </a:br>
             <a:r>
-              <a:rPr lang="en-US" dirty="0" smtClean="0"/>
-              <a:t>Lesson </a:t>
-            </a:r>
-            <a:r>
-              <a:rPr lang="en-US" dirty="0" smtClean="0"/>
-              <a:t>03: Charset and PATCH</a:t>
-            </a:r>
-            <a:endParaRPr lang="en-US" dirty="0"/>
+              <a:rPr lang="en-US" dirty="0"/>
+              <a:t>Lesson 03: </a:t>
+            </a:r>
+            <a:br>
+              <a:rPr lang="en-US" dirty="0"/>
+            </a:br>
+            <a:r>
+              <a:rPr lang="en-US" dirty="0"/>
+              <a:t>Charset, PATCH and GUI</a:t>
+            </a:r>
           </a:p>
         </p:txBody>
       </p:sp>
@@ -3592,14 +3577,14 @@
           <a:p>
             <a:pPr algn="r"/>
             <a:r>
-              <a:rPr lang="en-US" dirty="0" smtClean="0"/>
-              <a:t>Dr. Andrea </a:t>
-            </a:r>
-            <a:r>
-              <a:rPr lang="en-US" dirty="0" err="1" smtClean="0"/>
+              <a:rPr lang="en-US" dirty="0"/>
+              <a:t>Prof. Andrea </a:t>
+            </a:r>
+            <a:r>
+              <a:rPr lang="en-US" dirty="0" err="1"/>
               <a:t>Arcuri</a:t>
             </a:r>
-            <a:endParaRPr lang="en-US" dirty="0" smtClean="0"/>
+            <a:endParaRPr lang="en-US" dirty="0"/>
           </a:p>
         </p:txBody>
       </p:sp>
@@ -3656,10 +3641,9 @@
           <a:lstStyle/>
           <a:p>
             <a:r>
-              <a:rPr lang="en-US" sz="6600" dirty="0" smtClean="0"/>
+              <a:rPr lang="en-US" sz="6600" dirty="0"/>
               <a:t>Problem</a:t>
             </a:r>
-            <a:endParaRPr lang="en-US" sz="6600" dirty="0"/>
           </a:p>
         </p:txBody>
       </p:sp>
@@ -3686,68 +3670,51 @@
           <a:lstStyle/>
           <a:p>
             <a:r>
-              <a:rPr lang="en-US" sz="3600" dirty="0" smtClean="0"/>
+              <a:rPr lang="en-US" sz="3600" dirty="0"/>
               <a:t>Reading a </a:t>
             </a:r>
             <a:r>
-              <a:rPr lang="en-US" sz="3600" dirty="0" err="1" smtClean="0"/>
+              <a:rPr lang="en-US" sz="3600" dirty="0" err="1"/>
               <a:t>bitstring</a:t>
             </a:r>
             <a:r>
-              <a:rPr lang="en-US" sz="3600" dirty="0" smtClean="0"/>
+              <a:rPr lang="en-US" sz="3600" dirty="0"/>
               <a:t> assuming a charset (</a:t>
             </a:r>
             <a:r>
-              <a:rPr lang="en-US" sz="3600" dirty="0" err="1" smtClean="0"/>
+              <a:rPr lang="en-US" sz="3600" dirty="0" err="1"/>
               <a:t>eg</a:t>
             </a:r>
             <a:r>
-              <a:rPr lang="en-US" sz="3600" dirty="0" smtClean="0"/>
+              <a:rPr lang="en-US" sz="3600" dirty="0"/>
               <a:t> UTF-8) whereas it was encoded in a different one (</a:t>
             </a:r>
             <a:r>
-              <a:rPr lang="en-US" sz="3600" dirty="0" err="1" smtClean="0"/>
+              <a:rPr lang="en-US" sz="3600" dirty="0" err="1"/>
               <a:t>eg</a:t>
             </a:r>
             <a:r>
-              <a:rPr lang="en-US" sz="3600" dirty="0" smtClean="0"/>
-              <a:t> </a:t>
-            </a:r>
-            <a:r>
               <a:rPr lang="en-US" sz="3600" dirty="0"/>
-              <a:t>ISO-8859-1</a:t>
-            </a:r>
-            <a:r>
-              <a:rPr lang="en-US" sz="3600" dirty="0" smtClean="0"/>
-              <a:t>)</a:t>
-            </a:r>
-          </a:p>
-          <a:p>
-            <a:r>
-              <a:rPr lang="en-US" sz="3600" dirty="0" smtClean="0"/>
+              <a:t> ISO-8859-1)</a:t>
+            </a:r>
+          </a:p>
+          <a:p>
+            <a:r>
+              <a:rPr lang="en-US" sz="3600" dirty="0"/>
               <a:t>You might not see this issue for ASCII codes, as those have same codes in most charsets</a:t>
             </a:r>
           </a:p>
           <a:p>
             <a:r>
-              <a:rPr lang="en-US" sz="3600" dirty="0" smtClean="0"/>
+              <a:rPr lang="en-US" sz="3600" dirty="0"/>
               <a:t>But, as soon as you have non-Latin letters, good luck…</a:t>
             </a:r>
           </a:p>
           <a:p>
             <a:r>
-              <a:rPr lang="en-US" sz="3600" dirty="0" smtClean="0"/>
-              <a:t>Example, reading a valid 11xxxxxx 0xxxxxxx from a ISO-8859-1 source would result in </a:t>
-            </a:r>
-            <a:r>
               <a:rPr lang="en-US" sz="3600" dirty="0"/>
-              <a:t>a </a:t>
-            </a:r>
-            <a:r>
-              <a:rPr lang="en-US" sz="3600" dirty="0" smtClean="0"/>
-              <a:t>� for the first byte if wrongly displayed as UTF-8 (as 11x… must be followed by 10x…)</a:t>
-            </a:r>
-            <a:endParaRPr lang="en-US" sz="3600" dirty="0"/>
+              <a:t>Example, reading a valid 11xxxxxx 0xxxxxxx from a ISO-8859-1 source would result in a � for the first byte if wrongly displayed as UTF-8 (as 11x… must be followed by 10x…)</a:t>
+            </a:r>
           </a:p>
         </p:txBody>
       </p:sp>
@@ -3798,29 +3765,9 @@
           <a:lstStyle/>
           <a:p>
             <a:r>
-              <a:rPr lang="en-US" dirty="0" smtClean="0"/>
+              <a:rPr lang="en-US" dirty="0"/>
               <a:t>HTTP PATCH</a:t>
             </a:r>
-            <a:endParaRPr lang="en-US" dirty="0"/>
-          </a:p>
-        </p:txBody>
-      </p:sp>
-      <p:sp>
-        <p:nvSpPr>
-          <p:cNvPr id="5" name="Text Placeholder 4"/>
-          <p:cNvSpPr>
-            <a:spLocks noGrp="1"/>
-          </p:cNvSpPr>
-          <p:nvPr>
-            <p:ph type="body" idx="1"/>
-          </p:nvPr>
-        </p:nvSpPr>
-        <p:spPr/>
-        <p:txBody>
-          <a:bodyPr/>
-          <a:lstStyle/>
-          <a:p>
-            <a:endParaRPr lang="en-US"/>
           </a:p>
         </p:txBody>
       </p:sp>
@@ -3870,10 +3817,9 @@
           <a:lstStyle/>
           <a:p>
             <a:r>
-              <a:rPr lang="en-US" dirty="0" smtClean="0"/>
+              <a:rPr lang="en-US" dirty="0"/>
               <a:t>PATCH</a:t>
             </a:r>
-            <a:endParaRPr lang="en-US" dirty="0"/>
           </a:p>
         </p:txBody>
       </p:sp>
@@ -3898,65 +3844,56 @@
           <a:lstStyle/>
           <a:p>
             <a:r>
-              <a:rPr lang="en-US" dirty="0" smtClean="0"/>
-              <a:t>PATCH was introduced in HTTP later on</a:t>
-            </a:r>
-            <a:r>
-              <a:rPr lang="en-US" dirty="0"/>
-              <a:t>, in its own RFC (5789</a:t>
-            </a:r>
-            <a:r>
-              <a:rPr lang="en-US" dirty="0" smtClean="0"/>
-              <a:t>)</a:t>
-            </a:r>
-          </a:p>
-          <a:p>
-            <a:r>
-              <a:rPr lang="en-US" dirty="0" smtClean="0"/>
+              <a:rPr lang="en-US" dirty="0"/>
+              <a:t>PATCH was introduced in HTTP later on, in its own RFC (5789)</a:t>
+            </a:r>
+          </a:p>
+          <a:p>
+            <a:r>
+              <a:rPr lang="en-US" dirty="0"/>
               <a:t>PUT does a </a:t>
             </a:r>
             <a:r>
-              <a:rPr lang="en-US" i="1" dirty="0" smtClean="0"/>
+              <a:rPr lang="en-US" i="1" dirty="0"/>
               <a:t>complete</a:t>
             </a:r>
             <a:r>
-              <a:rPr lang="en-US" dirty="0" smtClean="0"/>
+              <a:rPr lang="en-US" dirty="0"/>
               <a:t> replacement of a resource</a:t>
             </a:r>
           </a:p>
           <a:p>
             <a:r>
-              <a:rPr lang="en-US" dirty="0" smtClean="0"/>
+              <a:rPr lang="en-US" dirty="0"/>
               <a:t>What if I just want to replace a single field of a resource?</a:t>
             </a:r>
           </a:p>
           <a:p>
             <a:r>
-              <a:rPr lang="en-US" dirty="0" smtClean="0"/>
+              <a:rPr lang="en-US" dirty="0"/>
               <a:t>In PUT, I would have to send the old fields as well, otherwise they would be deleted</a:t>
             </a:r>
           </a:p>
           <a:p>
             <a:pPr lvl="1"/>
             <a:r>
-              <a:rPr lang="en-US" dirty="0" smtClean="0"/>
+              <a:rPr lang="en-US" dirty="0"/>
               <a:t>very inefficient</a:t>
             </a:r>
           </a:p>
           <a:p>
             <a:r>
-              <a:rPr lang="en-US" dirty="0" smtClean="0"/>
+              <a:rPr lang="en-US" dirty="0"/>
               <a:t>PATCH allows to do </a:t>
             </a:r>
             <a:r>
-              <a:rPr lang="en-US" i="1" dirty="0" smtClean="0"/>
+              <a:rPr lang="en-US" i="1" dirty="0"/>
               <a:t>partial</a:t>
             </a:r>
             <a:r>
-              <a:rPr lang="en-US" dirty="0" smtClean="0"/>
+              <a:rPr lang="en-US" dirty="0"/>
               <a:t> changes on a resource</a:t>
             </a:r>
-            <a:endParaRPr lang="en-US" dirty="0"/>
           </a:p>
         </p:txBody>
       </p:sp>
@@ -4008,15 +3945,15 @@
           <a:lstStyle/>
           <a:p>
             <a:r>
-              <a:rPr lang="en-US" dirty="0" smtClean="0"/>
+              <a:rPr lang="en-US" dirty="0"/>
               <a:t>Wrong PUT on Resource </a:t>
             </a:r>
             <a:r>
-              <a:rPr lang="en-US" b="1" dirty="0" smtClean="0"/>
+              <a:rPr lang="en-US" b="1" dirty="0"/>
               <a:t>/</a:t>
             </a:r>
             <a:r>
-              <a:rPr lang="en-US" b="1" dirty="0" err="1" smtClean="0"/>
+              <a:rPr lang="en-US" b="1" dirty="0" err="1"/>
               <a:t>abc</a:t>
             </a:r>
             <a:endParaRPr lang="en-US" b="1" dirty="0"/>
@@ -4046,16 +3983,15 @@
           <a:lstStyle/>
           <a:p>
             <a:r>
-              <a:rPr lang="en-US" dirty="0" smtClean="0"/>
+              <a:rPr lang="en-US" dirty="0"/>
               <a:t>You could implement the PUT this way on the server</a:t>
             </a:r>
           </a:p>
           <a:p>
             <a:r>
-              <a:rPr lang="en-US" dirty="0" smtClean="0"/>
+              <a:rPr lang="en-US" dirty="0"/>
               <a:t>But, besides not following HTTP’s semantics, what would be the problem?</a:t>
             </a:r>
-            <a:endParaRPr lang="en-US" dirty="0"/>
           </a:p>
         </p:txBody>
       </p:sp>
@@ -4082,29 +4018,27 @@
           <a:lstStyle/>
           <a:p>
             <a:r>
-              <a:rPr lang="en-US" sz="2400" dirty="0" smtClean="0"/>
+              <a:rPr lang="en-US" sz="2400" dirty="0"/>
               <a:t>//PUT</a:t>
             </a:r>
           </a:p>
           <a:p>
             <a:r>
-              <a:rPr lang="en-US" sz="2400" dirty="0" smtClean="0"/>
+              <a:rPr lang="en-US" sz="2400" dirty="0"/>
               <a:t>{</a:t>
             </a:r>
           </a:p>
           <a:p>
             <a:r>
-              <a:rPr lang="en-US" sz="2400" dirty="0" smtClean="0"/>
+              <a:rPr lang="en-US" sz="2400" dirty="0"/>
               <a:t>   “foo”: 2</a:t>
             </a:r>
-            <a:endParaRPr lang="en-US" sz="2400" dirty="0"/>
-          </a:p>
-          <a:p>
-            <a:r>
-              <a:rPr lang="en-US" sz="2400" dirty="0" smtClean="0"/>
+          </a:p>
+          <a:p>
+            <a:r>
+              <a:rPr lang="en-US" sz="2400" dirty="0"/>
               <a:t>}</a:t>
             </a:r>
-            <a:endParaRPr lang="en-US" sz="2400" dirty="0"/>
           </a:p>
         </p:txBody>
       </p:sp>
@@ -4131,49 +4065,39 @@
           <a:lstStyle/>
           <a:p>
             <a:r>
-              <a:rPr lang="en-US" sz="2400" dirty="0" smtClean="0"/>
+              <a:rPr lang="en-US" sz="2400" dirty="0"/>
               <a:t>//Current Resource</a:t>
             </a:r>
           </a:p>
           <a:p>
             <a:r>
-              <a:rPr lang="en-US" sz="2400" dirty="0" smtClean="0"/>
+              <a:rPr lang="en-US" sz="2400" dirty="0"/>
               <a:t>{</a:t>
             </a:r>
           </a:p>
           <a:p>
             <a:r>
-              <a:rPr lang="en-US" sz="2400" dirty="0" smtClean="0"/>
+              <a:rPr lang="en-US" sz="2400" dirty="0"/>
               <a:t>   “foo”: 5,</a:t>
             </a:r>
           </a:p>
           <a:p>
             <a:r>
               <a:rPr lang="en-US" sz="2400" dirty="0"/>
-              <a:t> </a:t>
-            </a:r>
-            <a:r>
-              <a:rPr lang="en-US" sz="2400" dirty="0" smtClean="0"/>
-              <a:t>  “bar”: “hello”,</a:t>
+              <a:t>   “bar”: “hello”,</a:t>
             </a:r>
           </a:p>
           <a:p>
             <a:r>
               <a:rPr lang="en-US" sz="2400" dirty="0"/>
-              <a:t> </a:t>
-            </a:r>
-            <a:r>
-              <a:rPr lang="en-US" sz="2400" dirty="0" smtClean="0"/>
-              <a:t>  “x”: 1</a:t>
-            </a:r>
-            <a:endParaRPr lang="en-US" sz="2400" dirty="0"/>
-          </a:p>
-          <a:p>
-            <a:r>
-              <a:rPr lang="en-US" sz="2400" dirty="0" smtClean="0"/>
+              <a:t>   “x”: 1</a:t>
+            </a:r>
+          </a:p>
+          <a:p>
+            <a:r>
+              <a:rPr lang="en-US" sz="2400" dirty="0"/>
               <a:t>}</a:t>
             </a:r>
-            <a:endParaRPr lang="en-US" sz="2400" dirty="0"/>
           </a:p>
         </p:txBody>
       </p:sp>
@@ -4200,65 +4124,55 @@
           <a:lstStyle/>
           <a:p>
             <a:r>
-              <a:rPr lang="en-US" sz="2400" dirty="0" smtClean="0"/>
+              <a:rPr lang="en-US" sz="2400" dirty="0"/>
               <a:t>//</a:t>
             </a:r>
             <a:r>
-              <a:rPr lang="en-US" sz="2400" b="1" dirty="0" smtClean="0"/>
+              <a:rPr lang="en-US" sz="2400" b="1" dirty="0"/>
               <a:t>Wrong</a:t>
             </a:r>
             <a:r>
-              <a:rPr lang="en-US" sz="2400" dirty="0" smtClean="0"/>
+              <a:rPr lang="en-US" sz="2400" dirty="0"/>
               <a:t> result</a:t>
             </a:r>
           </a:p>
           <a:p>
             <a:r>
-              <a:rPr lang="en-US" sz="2400" dirty="0" smtClean="0"/>
+              <a:rPr lang="en-US" sz="2400" dirty="0"/>
               <a:t>{</a:t>
             </a:r>
           </a:p>
           <a:p>
             <a:r>
-              <a:rPr lang="en-US" sz="2400" dirty="0" smtClean="0"/>
+              <a:rPr lang="en-US" sz="2400" dirty="0"/>
               <a:t>   </a:t>
             </a:r>
             <a:r>
-              <a:rPr lang="en-US" sz="2400" b="1" dirty="0" smtClean="0"/>
+              <a:rPr lang="en-US" sz="2400" b="1" dirty="0"/>
               <a:t>“foo”: 2</a:t>
             </a:r>
             <a:r>
-              <a:rPr lang="en-US" sz="2400" dirty="0" smtClean="0"/>
+              <a:rPr lang="en-US" sz="2400" dirty="0"/>
               <a:t>,</a:t>
             </a:r>
           </a:p>
           <a:p>
             <a:r>
               <a:rPr lang="en-US" sz="2400" dirty="0"/>
-              <a:t> </a:t>
-            </a:r>
-            <a:r>
-              <a:rPr lang="en-US" sz="2400" dirty="0" smtClean="0"/>
-              <a:t>  “bar”: “hello”,</a:t>
+              <a:t>   “bar”: “hello”,</a:t>
             </a:r>
           </a:p>
           <a:p>
             <a:r>
               <a:rPr lang="en-US" sz="2400" dirty="0"/>
-              <a:t> </a:t>
-            </a:r>
-            <a:r>
-              <a:rPr lang="en-US" sz="2400" dirty="0" smtClean="0"/>
-              <a:t>  “x”: 1</a:t>
-            </a:r>
-            <a:endParaRPr lang="en-US" sz="2400" dirty="0"/>
-          </a:p>
-          <a:p>
-            <a:r>
-              <a:rPr lang="en-US" sz="2400" dirty="0" smtClean="0"/>
+              <a:t>   “x”: 1</a:t>
+            </a:r>
+          </a:p>
+          <a:p>
+            <a:r>
+              <a:rPr lang="en-US" sz="2400" dirty="0"/>
               <a:t>}</a:t>
             </a:r>
-            <a:endParaRPr lang="en-US" sz="2400" dirty="0"/>
           </a:p>
         </p:txBody>
       </p:sp>
@@ -4388,10 +4302,9 @@
           <a:lstStyle/>
           <a:p>
             <a:r>
-              <a:rPr lang="en-US" dirty="0" smtClean="0"/>
+              <a:rPr lang="en-US" dirty="0"/>
               <a:t>Issue With API Maintenance</a:t>
             </a:r>
-            <a:endParaRPr lang="en-US" dirty="0"/>
           </a:p>
         </p:txBody>
       </p:sp>
@@ -4418,30 +4331,22 @@
           <a:lstStyle/>
           <a:p>
             <a:r>
-              <a:rPr lang="en-US" dirty="0" smtClean="0"/>
+              <a:rPr lang="en-US" dirty="0"/>
               <a:t>Assume one day you add an </a:t>
             </a:r>
             <a:r>
-              <a:rPr lang="en-US" i="1" dirty="0" smtClean="0"/>
+              <a:rPr lang="en-US" i="1" dirty="0"/>
               <a:t>optional</a:t>
             </a:r>
             <a:r>
-              <a:rPr lang="en-US" dirty="0" smtClean="0"/>
+              <a:rPr lang="en-US" dirty="0"/>
               <a:t> field “y”</a:t>
             </a:r>
           </a:p>
           <a:p>
             <a:r>
-              <a:rPr lang="en-US" dirty="0" smtClean="0"/>
-              <a:t>(Old) </a:t>
-            </a:r>
-            <a:r>
-              <a:rPr lang="en-US" dirty="0"/>
-              <a:t>C</a:t>
-            </a:r>
-            <a:r>
-              <a:rPr lang="en-US" dirty="0" smtClean="0"/>
-              <a:t>lients replacing/creating resource without specifying “y” will wrongly leave current “y” value instead of null</a:t>
+              <a:rPr lang="en-US" dirty="0"/>
+              <a:t>(Old) Clients replacing/creating resource without specifying “y” will wrongly leave current “y” value instead of null</a:t>
             </a:r>
           </a:p>
         </p:txBody>
@@ -4469,49 +4374,39 @@
           <a:lstStyle/>
           <a:p>
             <a:r>
-              <a:rPr lang="en-US" sz="2400" dirty="0" smtClean="0"/>
+              <a:rPr lang="en-US" sz="2400" dirty="0"/>
               <a:t>//PUT</a:t>
             </a:r>
           </a:p>
           <a:p>
             <a:r>
-              <a:rPr lang="en-US" sz="2400" dirty="0" smtClean="0"/>
+              <a:rPr lang="en-US" sz="2400" dirty="0"/>
               <a:t>{</a:t>
             </a:r>
           </a:p>
           <a:p>
             <a:r>
-              <a:rPr lang="en-US" sz="2400" dirty="0" smtClean="0"/>
+              <a:rPr lang="en-US" sz="2400" dirty="0"/>
               <a:t>   “foo”: 0</a:t>
             </a:r>
           </a:p>
           <a:p>
             <a:r>
               <a:rPr lang="en-US" sz="2400" dirty="0"/>
-              <a:t> </a:t>
-            </a:r>
-            <a:r>
-              <a:rPr lang="en-US" sz="2400" dirty="0" smtClean="0"/>
-              <a:t>  “bar”: null</a:t>
+              <a:t>   “bar”: null</a:t>
             </a:r>
           </a:p>
           <a:p>
             <a:r>
               <a:rPr lang="en-US" sz="2400" dirty="0"/>
-              <a:t> </a:t>
-            </a:r>
-            <a:r>
-              <a:rPr lang="en-US" sz="2400" dirty="0" smtClean="0"/>
-              <a:t>  “x”: 0</a:t>
-            </a:r>
-            <a:endParaRPr lang="en-US" sz="2400" dirty="0"/>
-          </a:p>
-          <a:p>
-            <a:r>
-              <a:rPr lang="en-US" sz="2400" dirty="0" smtClean="0"/>
+              <a:t>   “x”: 0</a:t>
+            </a:r>
+          </a:p>
+          <a:p>
+            <a:r>
+              <a:rPr lang="en-US" sz="2400" dirty="0"/>
               <a:t>}</a:t>
             </a:r>
-            <a:endParaRPr lang="en-US" sz="2400" dirty="0"/>
           </a:p>
         </p:txBody>
       </p:sp>
@@ -4538,59 +4433,45 @@
           <a:lstStyle/>
           <a:p>
             <a:r>
-              <a:rPr lang="en-US" sz="2400" dirty="0" smtClean="0"/>
+              <a:rPr lang="en-US" sz="2400" dirty="0"/>
               <a:t>//Current Resource</a:t>
             </a:r>
           </a:p>
           <a:p>
             <a:r>
-              <a:rPr lang="en-US" sz="2400" dirty="0" smtClean="0"/>
+              <a:rPr lang="en-US" sz="2400" dirty="0"/>
               <a:t>{</a:t>
             </a:r>
           </a:p>
           <a:p>
             <a:r>
-              <a:rPr lang="en-US" sz="2400" dirty="0" smtClean="0"/>
+              <a:rPr lang="en-US" sz="2400" dirty="0"/>
               <a:t>   “foo”: 5,</a:t>
             </a:r>
           </a:p>
           <a:p>
             <a:r>
               <a:rPr lang="en-US" sz="2400" dirty="0"/>
-              <a:t> </a:t>
-            </a:r>
-            <a:r>
-              <a:rPr lang="en-US" sz="2400" dirty="0" smtClean="0"/>
-              <a:t>  “bar”: “hello”,</a:t>
+              <a:t>   “bar”: “hello”,</a:t>
             </a:r>
           </a:p>
           <a:p>
             <a:r>
               <a:rPr lang="en-US" sz="2400" dirty="0"/>
-              <a:t> </a:t>
-            </a:r>
-            <a:r>
-              <a:rPr lang="en-US" sz="2400" dirty="0" smtClean="0"/>
-              <a:t>  “x”: 1,</a:t>
+              <a:t>   “x”: 1,</a:t>
             </a:r>
           </a:p>
           <a:p>
             <a:r>
               <a:rPr lang="en-US" sz="2400" dirty="0"/>
-              <a:t> </a:t>
-            </a:r>
-            <a:r>
-              <a:rPr lang="en-US" sz="2400" dirty="0" smtClean="0"/>
-              <a:t>  “y”: 7</a:t>
-            </a:r>
-            <a:endParaRPr lang="en-US" sz="2400" dirty="0"/>
-          </a:p>
-          <a:p>
-            <a:r>
-              <a:rPr lang="en-US" sz="2400" dirty="0" smtClean="0"/>
+              <a:t>   “y”: 7</a:t>
+            </a:r>
+          </a:p>
+          <a:p>
+            <a:r>
+              <a:rPr lang="en-US" sz="2400" dirty="0"/>
               <a:t>}</a:t>
             </a:r>
-            <a:endParaRPr lang="en-US" sz="2400" dirty="0"/>
           </a:p>
         </p:txBody>
       </p:sp>
@@ -4617,71 +4498,57 @@
           <a:lstStyle/>
           <a:p>
             <a:r>
-              <a:rPr lang="en-US" sz="2400" dirty="0" smtClean="0"/>
+              <a:rPr lang="en-US" sz="2400" dirty="0"/>
               <a:t>//</a:t>
             </a:r>
             <a:r>
-              <a:rPr lang="en-US" sz="2400" b="1" dirty="0" smtClean="0"/>
+              <a:rPr lang="en-US" sz="2400" b="1" dirty="0"/>
               <a:t>Wrong</a:t>
             </a:r>
             <a:r>
-              <a:rPr lang="en-US" sz="2400" dirty="0" smtClean="0"/>
+              <a:rPr lang="en-US" sz="2400" dirty="0"/>
               <a:t> result</a:t>
             </a:r>
           </a:p>
           <a:p>
             <a:r>
-              <a:rPr lang="en-US" sz="2400" dirty="0" smtClean="0"/>
+              <a:rPr lang="en-US" sz="2400" dirty="0"/>
               <a:t>{</a:t>
             </a:r>
           </a:p>
           <a:p>
             <a:r>
-              <a:rPr lang="en-US" sz="2400" dirty="0" smtClean="0"/>
+              <a:rPr lang="en-US" sz="2400" dirty="0"/>
               <a:t>   “foo”: 0,</a:t>
             </a:r>
           </a:p>
           <a:p>
             <a:r>
               <a:rPr lang="en-US" sz="2400" dirty="0"/>
-              <a:t> </a:t>
-            </a:r>
-            <a:r>
-              <a:rPr lang="en-US" sz="2400" dirty="0" smtClean="0"/>
-              <a:t>  “bar”: null,</a:t>
+              <a:t>   “bar”: null,</a:t>
             </a:r>
           </a:p>
           <a:p>
             <a:r>
               <a:rPr lang="en-US" sz="2400" dirty="0"/>
-              <a:t> </a:t>
-            </a:r>
-            <a:r>
-              <a:rPr lang="en-US" sz="2400" dirty="0" smtClean="0"/>
-              <a:t>  “x”: 0,</a:t>
+              <a:t>   “x”: 0,</a:t>
             </a:r>
           </a:p>
           <a:p>
             <a:r>
               <a:rPr lang="en-US" sz="2400" dirty="0"/>
-              <a:t> </a:t>
-            </a:r>
-            <a:r>
-              <a:rPr lang="en-US" sz="2400" dirty="0" smtClean="0"/>
-              <a:t>  </a:t>
-            </a:r>
-            <a:r>
-              <a:rPr lang="en-US" sz="2400" b="1" dirty="0" smtClean="0"/>
+              <a:t>   </a:t>
+            </a:r>
+            <a:r>
+              <a:rPr lang="en-US" sz="2400" b="1" dirty="0"/>
               <a:t>“y”: 7</a:t>
             </a:r>
-            <a:endParaRPr lang="en-US" sz="2400" b="1" dirty="0"/>
-          </a:p>
-          <a:p>
-            <a:r>
-              <a:rPr lang="en-US" sz="2400" dirty="0" smtClean="0"/>
+          </a:p>
+          <a:p>
+            <a:r>
+              <a:rPr lang="en-US" sz="2400" dirty="0"/>
               <a:t>}</a:t>
             </a:r>
-            <a:endParaRPr lang="en-US" sz="2400" dirty="0"/>
           </a:p>
         </p:txBody>
       </p:sp>
@@ -4811,10 +4678,9 @@
           <a:lstStyle/>
           <a:p>
             <a:r>
-              <a:rPr lang="en-US" dirty="0" smtClean="0"/>
+              <a:rPr lang="en-US" dirty="0"/>
               <a:t>Partial Updates with PATCH</a:t>
             </a:r>
-            <a:endParaRPr lang="en-US" dirty="0"/>
           </a:p>
         </p:txBody>
       </p:sp>
@@ -4839,53 +4705,52 @@
           <a:lstStyle/>
           <a:p>
             <a:r>
-              <a:rPr lang="en-US" dirty="0" smtClean="0"/>
+              <a:rPr lang="en-US" dirty="0"/>
               <a:t>PATCH allows you to do </a:t>
             </a:r>
             <a:r>
-              <a:rPr lang="en-US" i="1" dirty="0" smtClean="0"/>
+              <a:rPr lang="en-US" i="1" dirty="0"/>
               <a:t>partial</a:t>
             </a:r>
             <a:r>
-              <a:rPr lang="en-US" dirty="0" smtClean="0"/>
+              <a:rPr lang="en-US" dirty="0"/>
               <a:t> updates</a:t>
             </a:r>
           </a:p>
           <a:p>
             <a:r>
-              <a:rPr lang="en-US" dirty="0" smtClean="0"/>
+              <a:rPr lang="en-US" dirty="0"/>
               <a:t>How to do such updates is NOT specified in HTTP</a:t>
             </a:r>
           </a:p>
           <a:p>
             <a:r>
-              <a:rPr lang="en-US" dirty="0" smtClean="0"/>
+              <a:rPr lang="en-US" dirty="0"/>
               <a:t>A PATCH request will need to specify how to do the update</a:t>
             </a:r>
           </a:p>
           <a:p>
             <a:r>
-              <a:rPr lang="en-US" dirty="0" smtClean="0"/>
+              <a:rPr lang="en-US" dirty="0"/>
               <a:t>For example, could have custom request to increase a numerical field by 1</a:t>
             </a:r>
           </a:p>
           <a:p>
             <a:r>
-              <a:rPr lang="en-US" dirty="0" smtClean="0"/>
+              <a:rPr lang="en-US" dirty="0"/>
               <a:t>A (simple) standard format is </a:t>
             </a:r>
             <a:r>
-              <a:rPr lang="en-US" i="1" dirty="0" smtClean="0"/>
+              <a:rPr lang="en-US" i="1" dirty="0"/>
               <a:t>JSON Merge Patch</a:t>
             </a:r>
           </a:p>
           <a:p>
             <a:pPr lvl="1"/>
             <a:r>
-              <a:rPr lang="en-US" dirty="0" smtClean="0"/>
+              <a:rPr lang="en-US" dirty="0"/>
               <a:t>but there are others, and you can have your custom formats if you need more flexibility</a:t>
             </a:r>
-            <a:endParaRPr lang="en-US" dirty="0"/>
           </a:p>
         </p:txBody>
       </p:sp>
@@ -4963,19 +4828,14 @@
           <a:p>
             <a:r>
               <a:rPr lang="en-US" dirty="0"/>
-              <a:t>Specified in </a:t>
-            </a:r>
-            <a:r>
-              <a:rPr lang="en-US" dirty="0" smtClean="0"/>
-              <a:t>RFC-7396</a:t>
-            </a:r>
-          </a:p>
-          <a:p>
-            <a:r>
-              <a:rPr lang="en-US" dirty="0" smtClean="0"/>
+              <a:t>Specified in RFC-7396</a:t>
+            </a:r>
+          </a:p>
+          <a:p>
+            <a:r>
+              <a:rPr lang="en-US" dirty="0"/>
               <a:t>Send a JSON file, and change only fields specified in it</a:t>
             </a:r>
-            <a:endParaRPr lang="en-US" dirty="0"/>
           </a:p>
         </p:txBody>
       </p:sp>
@@ -5002,29 +4862,27 @@
           <a:lstStyle/>
           <a:p>
             <a:r>
-              <a:rPr lang="en-US" sz="2400" dirty="0" smtClean="0"/>
+              <a:rPr lang="en-US" sz="2400" dirty="0"/>
               <a:t>//PATCH</a:t>
             </a:r>
           </a:p>
           <a:p>
             <a:r>
-              <a:rPr lang="en-US" sz="2400" dirty="0" smtClean="0"/>
+              <a:rPr lang="en-US" sz="2400" dirty="0"/>
               <a:t>{</a:t>
             </a:r>
           </a:p>
           <a:p>
             <a:r>
-              <a:rPr lang="en-US" sz="2400" dirty="0" smtClean="0"/>
+              <a:rPr lang="en-US" sz="2400" dirty="0"/>
               <a:t>   “foo”: 2</a:t>
             </a:r>
-            <a:endParaRPr lang="en-US" sz="2400" dirty="0"/>
-          </a:p>
-          <a:p>
-            <a:r>
-              <a:rPr lang="en-US" sz="2400" dirty="0" smtClean="0"/>
+          </a:p>
+          <a:p>
+            <a:r>
+              <a:rPr lang="en-US" sz="2400" dirty="0"/>
               <a:t>}</a:t>
             </a:r>
-            <a:endParaRPr lang="en-US" sz="2400" dirty="0"/>
           </a:p>
         </p:txBody>
       </p:sp>
@@ -5051,49 +4909,39 @@
           <a:lstStyle/>
           <a:p>
             <a:r>
-              <a:rPr lang="en-US" sz="2400" dirty="0" smtClean="0"/>
+              <a:rPr lang="en-US" sz="2400" dirty="0"/>
               <a:t>//Current Resource</a:t>
             </a:r>
           </a:p>
           <a:p>
             <a:r>
-              <a:rPr lang="en-US" sz="2400" dirty="0" smtClean="0"/>
+              <a:rPr lang="en-US" sz="2400" dirty="0"/>
               <a:t>{</a:t>
             </a:r>
           </a:p>
           <a:p>
             <a:r>
-              <a:rPr lang="en-US" sz="2400" dirty="0" smtClean="0"/>
+              <a:rPr lang="en-US" sz="2400" dirty="0"/>
               <a:t>   “foo”: 5,</a:t>
             </a:r>
           </a:p>
           <a:p>
             <a:r>
               <a:rPr lang="en-US" sz="2400" dirty="0"/>
-              <a:t> </a:t>
-            </a:r>
-            <a:r>
-              <a:rPr lang="en-US" sz="2400" dirty="0" smtClean="0"/>
-              <a:t>  “bar”: “hello”,</a:t>
+              <a:t>   “bar”: “hello”,</a:t>
             </a:r>
           </a:p>
           <a:p>
             <a:r>
               <a:rPr lang="en-US" sz="2400" dirty="0"/>
-              <a:t> </a:t>
-            </a:r>
-            <a:r>
-              <a:rPr lang="en-US" sz="2400" dirty="0" smtClean="0"/>
-              <a:t>  “x”: 1</a:t>
-            </a:r>
-            <a:endParaRPr lang="en-US" sz="2400" dirty="0"/>
-          </a:p>
-          <a:p>
-            <a:r>
-              <a:rPr lang="en-US" sz="2400" dirty="0" smtClean="0"/>
+              <a:t>   “x”: 1</a:t>
+            </a:r>
+          </a:p>
+          <a:p>
+            <a:r>
+              <a:rPr lang="en-US" sz="2400" dirty="0"/>
               <a:t>}</a:t>
             </a:r>
-            <a:endParaRPr lang="en-US" sz="2400" dirty="0"/>
           </a:p>
         </p:txBody>
       </p:sp>
@@ -5120,49 +4968,39 @@
           <a:lstStyle/>
           <a:p>
             <a:r>
-              <a:rPr lang="en-US" sz="2400" dirty="0" smtClean="0"/>
+              <a:rPr lang="en-US" sz="2400" dirty="0"/>
               <a:t>//Result</a:t>
             </a:r>
           </a:p>
           <a:p>
             <a:r>
-              <a:rPr lang="en-US" sz="2400" dirty="0" smtClean="0"/>
+              <a:rPr lang="en-US" sz="2400" dirty="0"/>
               <a:t>{</a:t>
             </a:r>
           </a:p>
           <a:p>
             <a:r>
-              <a:rPr lang="en-US" sz="2400" dirty="0" smtClean="0"/>
+              <a:rPr lang="en-US" sz="2400" dirty="0"/>
               <a:t>   “foo”: 2,</a:t>
             </a:r>
           </a:p>
           <a:p>
             <a:r>
               <a:rPr lang="en-US" sz="2400" dirty="0"/>
-              <a:t> </a:t>
-            </a:r>
-            <a:r>
-              <a:rPr lang="en-US" sz="2400" dirty="0" smtClean="0"/>
-              <a:t>  “bar”: “hello”,</a:t>
+              <a:t>   “bar”: “hello”,</a:t>
             </a:r>
           </a:p>
           <a:p>
             <a:r>
               <a:rPr lang="en-US" sz="2400" dirty="0"/>
-              <a:t> </a:t>
-            </a:r>
-            <a:r>
-              <a:rPr lang="en-US" sz="2400" dirty="0" smtClean="0"/>
-              <a:t>  “x”: 1</a:t>
-            </a:r>
-            <a:endParaRPr lang="en-US" sz="2400" dirty="0"/>
-          </a:p>
-          <a:p>
-            <a:r>
-              <a:rPr lang="en-US" sz="2400" dirty="0" smtClean="0"/>
+              <a:t>   “x”: 1</a:t>
+            </a:r>
+          </a:p>
+          <a:p>
+            <a:r>
+              <a:rPr lang="en-US" sz="2400" dirty="0"/>
               <a:t>}</a:t>
             </a:r>
-            <a:endParaRPr lang="en-US" sz="2400" dirty="0"/>
           </a:p>
         </p:txBody>
       </p:sp>
@@ -5292,10 +5130,9 @@
           <a:lstStyle/>
           <a:p>
             <a:r>
-              <a:rPr lang="en-US" dirty="0" smtClean="0"/>
+              <a:rPr lang="en-US" dirty="0"/>
               <a:t>Tricky: Null vs Undefined</a:t>
             </a:r>
-            <a:endParaRPr lang="en-US" dirty="0"/>
           </a:p>
         </p:txBody>
       </p:sp>
@@ -5317,21 +5154,20 @@
         </p:spPr>
         <p:txBody>
           <a:bodyPr>
-            <a:normAutofit fontScale="92500" lnSpcReduction="20000"/>
+            <a:normAutofit fontScale="85000" lnSpcReduction="20000"/>
           </a:bodyPr>
           <a:lstStyle/>
           <a:p>
             <a:r>
-              <a:rPr lang="en-US" dirty="0" smtClean="0"/>
+              <a:rPr lang="en-US" dirty="0"/>
               <a:t>In JSON, Null and Undefined are two different concepts</a:t>
             </a:r>
           </a:p>
           <a:p>
             <a:r>
-              <a:rPr lang="en-US" dirty="0" smtClean="0"/>
+              <a:rPr lang="en-US" dirty="0"/>
               <a:t>In JSON Merge Patch, setting a variable to null means deleting it, and not changing its value into null</a:t>
             </a:r>
-            <a:endParaRPr lang="en-US" dirty="0"/>
           </a:p>
         </p:txBody>
       </p:sp>
@@ -5358,29 +5194,27 @@
           <a:lstStyle/>
           <a:p>
             <a:r>
-              <a:rPr lang="en-US" sz="2400" dirty="0" smtClean="0"/>
+              <a:rPr lang="en-US" sz="2400" dirty="0"/>
               <a:t>//PATCH</a:t>
             </a:r>
           </a:p>
           <a:p>
             <a:r>
-              <a:rPr lang="en-US" sz="2400" dirty="0" smtClean="0"/>
+              <a:rPr lang="en-US" sz="2400" dirty="0"/>
               <a:t>{</a:t>
             </a:r>
           </a:p>
           <a:p>
             <a:r>
-              <a:rPr lang="en-US" sz="2400" dirty="0" smtClean="0"/>
+              <a:rPr lang="en-US" sz="2400" dirty="0"/>
               <a:t>   “foo”: null</a:t>
             </a:r>
-            <a:endParaRPr lang="en-US" sz="2400" dirty="0"/>
-          </a:p>
-          <a:p>
-            <a:r>
-              <a:rPr lang="en-US" sz="2400" dirty="0" smtClean="0"/>
+          </a:p>
+          <a:p>
+            <a:r>
+              <a:rPr lang="en-US" sz="2400" dirty="0"/>
               <a:t>}</a:t>
             </a:r>
-            <a:endParaRPr lang="en-US" sz="2400" dirty="0"/>
           </a:p>
         </p:txBody>
       </p:sp>
@@ -5407,49 +5241,39 @@
           <a:lstStyle/>
           <a:p>
             <a:r>
-              <a:rPr lang="en-US" sz="2400" dirty="0" smtClean="0"/>
+              <a:rPr lang="en-US" sz="2400" dirty="0"/>
               <a:t>//Current Resource</a:t>
             </a:r>
           </a:p>
           <a:p>
             <a:r>
-              <a:rPr lang="en-US" sz="2400" dirty="0" smtClean="0"/>
+              <a:rPr lang="en-US" sz="2400" dirty="0"/>
               <a:t>{</a:t>
             </a:r>
           </a:p>
           <a:p>
             <a:r>
-              <a:rPr lang="en-US" sz="2400" dirty="0" smtClean="0"/>
+              <a:rPr lang="en-US" sz="2400" dirty="0"/>
               <a:t>   “foo”: 5,</a:t>
             </a:r>
           </a:p>
           <a:p>
             <a:r>
               <a:rPr lang="en-US" sz="2400" dirty="0"/>
-              <a:t> </a:t>
-            </a:r>
-            <a:r>
-              <a:rPr lang="en-US" sz="2400" dirty="0" smtClean="0"/>
-              <a:t>  “bar”: “hello”,</a:t>
+              <a:t>   “bar”: “hello”,</a:t>
             </a:r>
           </a:p>
           <a:p>
             <a:r>
               <a:rPr lang="en-US" sz="2400" dirty="0"/>
-              <a:t> </a:t>
-            </a:r>
-            <a:r>
-              <a:rPr lang="en-US" sz="2400" dirty="0" smtClean="0"/>
-              <a:t>  “x”: 1</a:t>
-            </a:r>
-            <a:endParaRPr lang="en-US" sz="2400" dirty="0"/>
-          </a:p>
-          <a:p>
-            <a:r>
-              <a:rPr lang="en-US" sz="2400" dirty="0" smtClean="0"/>
+              <a:t>   “x”: 1</a:t>
+            </a:r>
+          </a:p>
+          <a:p>
+            <a:r>
+              <a:rPr lang="en-US" sz="2400" dirty="0"/>
               <a:t>}</a:t>
             </a:r>
-            <a:endParaRPr lang="en-US" sz="2400" dirty="0"/>
           </a:p>
         </p:txBody>
       </p:sp>
@@ -5476,39 +5300,33 @@
           <a:lstStyle/>
           <a:p>
             <a:r>
-              <a:rPr lang="en-US" sz="2400" dirty="0" smtClean="0"/>
+              <a:rPr lang="en-US" sz="2400" dirty="0"/>
               <a:t>//Result</a:t>
             </a:r>
           </a:p>
           <a:p>
             <a:r>
-              <a:rPr lang="en-US" sz="2400" dirty="0" smtClean="0"/>
+              <a:rPr lang="en-US" sz="2400" dirty="0"/>
               <a:t>{</a:t>
             </a:r>
           </a:p>
           <a:p>
             <a:r>
-              <a:rPr lang="en-US" sz="2400" dirty="0" smtClean="0"/>
+              <a:rPr lang="en-US" sz="2400" dirty="0"/>
               <a:t>   “bar”: “hello”,</a:t>
             </a:r>
           </a:p>
           <a:p>
             <a:r>
               <a:rPr lang="en-US" sz="2400" dirty="0"/>
-              <a:t> </a:t>
-            </a:r>
-            <a:r>
-              <a:rPr lang="en-US" sz="2400" dirty="0" smtClean="0"/>
-              <a:t>  “x”: 1</a:t>
-            </a:r>
-            <a:endParaRPr lang="en-US" sz="2400" dirty="0"/>
-          </a:p>
-          <a:p>
-            <a:r>
-              <a:rPr lang="en-US" sz="2400" dirty="0" smtClean="0"/>
+              <a:t>   “x”: 1</a:t>
+            </a:r>
+          </a:p>
+          <a:p>
+            <a:r>
+              <a:rPr lang="en-US" sz="2400" dirty="0"/>
               <a:t>}</a:t>
             </a:r>
-            <a:endParaRPr lang="en-US" sz="2400" dirty="0"/>
           </a:p>
         </p:txBody>
       </p:sp>
@@ -5638,10 +5456,9 @@
           <a:lstStyle/>
           <a:p>
             <a:r>
-              <a:rPr lang="en-US" dirty="0" smtClean="0"/>
+              <a:rPr lang="en-US" dirty="0"/>
               <a:t>Backend Representation</a:t>
             </a:r>
-            <a:endParaRPr lang="en-US" dirty="0"/>
           </a:p>
         </p:txBody>
       </p:sp>
@@ -5666,52 +5483,51 @@
           <a:lstStyle/>
           <a:p>
             <a:r>
-              <a:rPr lang="en-US" dirty="0" smtClean="0"/>
+              <a:rPr lang="en-US" dirty="0"/>
               <a:t>We send JSON, but the resource might have nothing to do with JSON in the backend</a:t>
             </a:r>
           </a:p>
           <a:p>
             <a:r>
-              <a:rPr lang="en-US" dirty="0" smtClean="0"/>
+              <a:rPr lang="en-US" dirty="0"/>
               <a:t>Example: a row in a SQL database table</a:t>
             </a:r>
           </a:p>
           <a:p>
             <a:r>
-              <a:rPr lang="en-US" dirty="0" smtClean="0"/>
+              <a:rPr lang="en-US" dirty="0"/>
               <a:t>For backend there might be no difference between </a:t>
             </a:r>
             <a:r>
-              <a:rPr lang="en-US" i="1" dirty="0" smtClean="0"/>
+              <a:rPr lang="en-US" i="1" dirty="0"/>
               <a:t>null</a:t>
             </a:r>
             <a:r>
-              <a:rPr lang="en-US" dirty="0" smtClean="0"/>
+              <a:rPr lang="en-US" dirty="0"/>
               <a:t> and </a:t>
             </a:r>
             <a:r>
-              <a:rPr lang="en-US" i="1" dirty="0" smtClean="0"/>
+              <a:rPr lang="en-US" i="1" dirty="0"/>
               <a:t>undefined</a:t>
             </a:r>
             <a:r>
-              <a:rPr lang="en-US" dirty="0" smtClean="0"/>
+              <a:rPr lang="en-US" dirty="0"/>
               <a:t> of a field (</a:t>
             </a:r>
             <a:r>
-              <a:rPr lang="en-US" dirty="0" err="1" smtClean="0"/>
+              <a:rPr lang="en-US" dirty="0" err="1"/>
               <a:t>eg</a:t>
             </a:r>
             <a:r>
-              <a:rPr lang="en-US" dirty="0" smtClean="0"/>
+              <a:rPr lang="en-US" dirty="0"/>
               <a:t> a column in a SQL table)</a:t>
             </a:r>
           </a:p>
           <a:p>
             <a:r>
-              <a:rPr lang="en-US" dirty="0" smtClean="0"/>
+              <a:rPr lang="en-US" dirty="0"/>
               <a:t>However, tricky when mapping a JSON to a DTO, as a null field has very different semantics from a missing field</a:t>
             </a:r>
-            <a:endParaRPr lang="en-US" dirty="0"/>
           </a:p>
         </p:txBody>
       </p:sp>
@@ -5761,7 +5577,7 @@
           <a:lstStyle/>
           <a:p>
             <a:r>
-              <a:rPr lang="en-US" dirty="0" err="1" smtClean="0"/>
+              <a:rPr lang="en-US" dirty="0" err="1"/>
               <a:t>Idempotency</a:t>
             </a:r>
             <a:endParaRPr lang="en-US" dirty="0"/>
@@ -5789,76 +5605,43 @@
           <a:lstStyle/>
           <a:p>
             <a:r>
-              <a:rPr lang="en-US" dirty="0" smtClean="0"/>
+              <a:rPr lang="en-US" dirty="0"/>
               <a:t>PUT is idempotent</a:t>
             </a:r>
           </a:p>
           <a:p>
             <a:pPr lvl="1"/>
             <a:r>
-              <a:rPr lang="en-US" dirty="0" smtClean="0"/>
-              <a:t>replacing the same resource 1 or </a:t>
-            </a:r>
-            <a:r>
-              <a:rPr lang="en-US" dirty="0"/>
-              <a:t>n</a:t>
-            </a:r>
-            <a:r>
-              <a:rPr lang="en-US" dirty="0" smtClean="0"/>
-              <a:t> times will result in the same outcome on the server</a:t>
-            </a:r>
-          </a:p>
-          <a:p>
-            <a:r>
-              <a:rPr lang="en-US" dirty="0" smtClean="0"/>
+              <a:rPr lang="en-US" dirty="0"/>
+              <a:t>replacing the same resource 1 or n times will result in the same outcome on the server</a:t>
+            </a:r>
+          </a:p>
+          <a:p>
+            <a:r>
+              <a:rPr lang="en-US" dirty="0"/>
               <a:t>PATCH is NOT idempotent</a:t>
             </a:r>
           </a:p>
           <a:p>
             <a:pPr lvl="1"/>
             <a:r>
-              <a:rPr lang="en-US" dirty="0" smtClean="0"/>
-              <a:t>if a PATCH adds 1 to a field, repeating it </a:t>
-            </a:r>
-            <a:r>
-              <a:rPr lang="en-US" dirty="0"/>
-              <a:t>1 or n </a:t>
-            </a:r>
-            <a:r>
-              <a:rPr lang="en-US" dirty="0" smtClean="0"/>
-              <a:t>times will have very different results</a:t>
+              <a:rPr lang="en-US" dirty="0"/>
+              <a:t>if a PATCH adds 1 to a field, repeating it 1 or n times will have very different results</a:t>
             </a:r>
           </a:p>
           <a:p>
             <a:pPr lvl="1"/>
             <a:r>
-              <a:rPr lang="en-US" dirty="0" smtClean="0"/>
-              <a:t>note: the effects </a:t>
-            </a:r>
-            <a:r>
-              <a:rPr lang="en-US" dirty="0"/>
-              <a:t>of JSON Merge </a:t>
-            </a:r>
-            <a:r>
-              <a:rPr lang="en-US" dirty="0" smtClean="0"/>
-              <a:t>Patch are likely idempotent, but the HTTP request itself is not idempotent because using PATCH</a:t>
+              <a:rPr lang="en-US" dirty="0"/>
+              <a:t>note: the effects of JSON Merge Patch are likely idempotent, but the HTTP request itself is not idempotent because using PATCH</a:t>
             </a:r>
           </a:p>
           <a:p>
             <a:pPr lvl="1"/>
             <a:r>
-              <a:rPr lang="en-US" dirty="0" smtClean="0"/>
-              <a:t>recall that </a:t>
-            </a:r>
-            <a:r>
-              <a:rPr lang="en-US" dirty="0"/>
-              <a:t>JSON Merge </a:t>
-            </a:r>
-            <a:r>
-              <a:rPr lang="en-US" dirty="0" smtClean="0"/>
-              <a:t>Patch is just one way to PATCH, and a PATCH could do any kind of modification</a:t>
-            </a:r>
-            <a:endParaRPr lang="en-US" dirty="0"/>
+              <a:rPr lang="en-US" dirty="0"/>
+              <a:t>recall that JSON Merge Patch is just one way to PATCH, and a PATCH could do any kind of modification</a:t>
+            </a:r>
           </a:p>
         </p:txBody>
       </p:sp>
@@ -5908,10 +5691,9 @@
           <a:lstStyle/>
           <a:p>
             <a:r>
-              <a:rPr lang="en-US" dirty="0" smtClean="0"/>
+              <a:rPr lang="en-US" dirty="0"/>
               <a:t>Goals</a:t>
             </a:r>
-            <a:endParaRPr lang="en-US" dirty="0"/>
           </a:p>
         </p:txBody>
       </p:sp>
@@ -5933,55 +5715,50 @@
         </p:spPr>
         <p:txBody>
           <a:bodyPr>
-            <a:normAutofit/>
+            <a:normAutofit lnSpcReduction="10000"/>
           </a:bodyPr>
           <a:lstStyle/>
           <a:p>
             <a:r>
-              <a:rPr lang="en-US" dirty="0" smtClean="0"/>
+              <a:rPr lang="en-US" dirty="0"/>
               <a:t>Understand how strings are represented in bytes when sent over the network</a:t>
             </a:r>
           </a:p>
           <a:p>
             <a:pPr lvl="0"/>
             <a:r>
-              <a:rPr lang="en-US" dirty="0" smtClean="0"/>
-              <a:t>Understand why all of a sudden your text </a:t>
-            </a:r>
-            <a:r>
-              <a:rPr lang="en-US" dirty="0"/>
-              <a:t>is full of </a:t>
-            </a:r>
-            <a:r>
-              <a:rPr lang="en-US" dirty="0" smtClean="0"/>
-              <a:t>� symbols or weird letters </a:t>
-            </a:r>
-            <a:r>
-              <a:rPr lang="en-US" dirty="0"/>
-              <a:t>like </a:t>
-            </a:r>
-            <a:r>
-              <a:rPr lang="en-US" dirty="0" smtClean="0"/>
-              <a:t>Ã</a:t>
+              <a:rPr lang="en-US" dirty="0"/>
+              <a:t>Understand why all of a sudden your text is full of � symbols or weird letters like Ã</a:t>
             </a:r>
           </a:p>
           <a:p>
             <a:pPr lvl="0"/>
             <a:r>
-              <a:rPr lang="en-US" dirty="0" smtClean="0"/>
+              <a:rPr lang="en-US" dirty="0"/>
               <a:t>Understand the HTTP method PATCH, and how it is different from PUT</a:t>
             </a:r>
           </a:p>
           <a:p>
             <a:pPr lvl="1"/>
             <a:r>
-              <a:rPr lang="en-US" dirty="0" smtClean="0"/>
+              <a:rPr lang="en-US" dirty="0"/>
               <a:t>this is rather tricky, and a LOT of APIs out there do it wrong</a:t>
             </a:r>
           </a:p>
           <a:p>
+            <a:r>
+              <a:rPr lang="en-US" dirty="0"/>
+              <a:t>Learn how to integrate SPA library like React in </a:t>
+            </a:r>
+            <a:r>
+              <a:rPr lang="en-US" dirty="0" err="1"/>
+              <a:t>SpringBoot</a:t>
+            </a:r>
+            <a:endParaRPr lang="en-US" dirty="0"/>
+          </a:p>
+          <a:p>
             <a:pPr lvl="1"/>
-            <a:endParaRPr lang="en-US" dirty="0" smtClean="0"/>
+            <a:endParaRPr lang="en-US" dirty="0"/>
           </a:p>
         </p:txBody>
       </p:sp>
@@ -6055,7 +5832,7 @@
               <a:buNone/>
               <a:tabLst/>
             </a:pPr>
-            <a:endParaRPr kumimoji="0" lang="en-US" altLang="en-US" sz="1800" b="0" i="0" u="none" strike="noStrike" cap="none" normalizeH="0" baseline="0" dirty="0" smtClean="0">
+            <a:endParaRPr kumimoji="0" lang="en-US" altLang="en-US" sz="1800" b="0" i="0" u="none" strike="noStrike" cap="none" normalizeH="0" baseline="0" dirty="0">
               <a:ln>
                 <a:noFill/>
               </a:ln>
@@ -6138,7 +5915,7 @@
               <a:buNone/>
               <a:tabLst/>
             </a:pPr>
-            <a:endParaRPr kumimoji="0" lang="en-US" altLang="en-US" sz="1800" b="0" i="0" u="none" strike="noStrike" cap="none" normalizeH="0" baseline="0" dirty="0" smtClean="0">
+            <a:endParaRPr kumimoji="0" lang="en-US" altLang="en-US" sz="1800" b="0" i="0" u="none" strike="noStrike" cap="none" normalizeH="0" baseline="0" dirty="0">
               <a:ln>
                 <a:noFill/>
               </a:ln>
@@ -6183,6 +5960,2064 @@
       </p:grpSpPr>
       <p:sp>
         <p:nvSpPr>
+          <p:cNvPr id="2" name="Title 1">
+            <a:extLst>
+              <a:ext uri="{FF2B5EF4-FFF2-40B4-BE49-F238E27FC236}">
+                <a16:creationId xmlns:a16="http://schemas.microsoft.com/office/drawing/2014/main" id="{04939E27-1FFD-1345-A557-9C44EC916490}"/>
+              </a:ext>
+            </a:extLst>
+          </p:cNvPr>
+          <p:cNvSpPr>
+            <a:spLocks noGrp="1"/>
+          </p:cNvSpPr>
+          <p:nvPr>
+            <p:ph type="title"/>
+          </p:nvPr>
+        </p:nvSpPr>
+        <p:spPr/>
+        <p:txBody>
+          <a:bodyPr/>
+          <a:lstStyle/>
+          <a:p>
+            <a:r>
+              <a:rPr lang="en-US" dirty="0"/>
+              <a:t>Other Formats</a:t>
+            </a:r>
+          </a:p>
+        </p:txBody>
+      </p:sp>
+      <p:sp>
+        <p:nvSpPr>
+          <p:cNvPr id="3" name="Content Placeholder 2">
+            <a:extLst>
+              <a:ext uri="{FF2B5EF4-FFF2-40B4-BE49-F238E27FC236}">
+                <a16:creationId xmlns:a16="http://schemas.microsoft.com/office/drawing/2014/main" id="{4D582931-5B2F-794C-81F4-9D457BC6648F}"/>
+              </a:ext>
+            </a:extLst>
+          </p:cNvPr>
+          <p:cNvSpPr>
+            <a:spLocks noGrp="1"/>
+          </p:cNvSpPr>
+          <p:nvPr>
+            <p:ph idx="1"/>
+          </p:nvPr>
+        </p:nvSpPr>
+        <p:spPr>
+          <a:xfrm>
+            <a:off x="239697" y="1825624"/>
+            <a:ext cx="11754035" cy="4868139"/>
+          </a:xfrm>
+        </p:spPr>
+        <p:txBody>
+          <a:bodyPr>
+            <a:normAutofit lnSpcReduction="10000"/>
+          </a:bodyPr>
+          <a:lstStyle/>
+          <a:p>
+            <a:r>
+              <a:rPr lang="en-US" i="1" dirty="0"/>
+              <a:t>JSON Merge Patch</a:t>
+            </a:r>
+            <a:r>
+              <a:rPr lang="en-US" dirty="0"/>
+              <a:t> (RFC-7396) is not the only standard format for PATCH, although likely the most common</a:t>
+            </a:r>
+          </a:p>
+          <a:p>
+            <a:r>
+              <a:rPr lang="en-US" dirty="0"/>
+              <a:t>Other example: </a:t>
+            </a:r>
+            <a:r>
+              <a:rPr lang="en-US" i="1" dirty="0"/>
+              <a:t>JSON Patch</a:t>
+            </a:r>
+            <a:r>
+              <a:rPr lang="en-US" dirty="0"/>
+              <a:t> (RFC-6902)</a:t>
+            </a:r>
+          </a:p>
+          <a:p>
+            <a:pPr lvl="1"/>
+            <a:r>
+              <a:rPr lang="en-US" dirty="0"/>
+              <a:t>define list of operations to do on the resource </a:t>
+            </a:r>
+          </a:p>
+          <a:p>
+            <a:pPr lvl="1"/>
+            <a:r>
+              <a:rPr lang="en-US" dirty="0" err="1"/>
+              <a:t>eg</a:t>
+            </a:r>
+            <a:r>
+              <a:rPr lang="en-US" dirty="0"/>
+              <a:t>: </a:t>
+            </a:r>
+            <a:r>
+              <a:rPr lang="nb-NO" i="1" dirty="0"/>
+              <a:t>[ { "</a:t>
+            </a:r>
+            <a:r>
+              <a:rPr lang="nb-NO" i="1" dirty="0" err="1"/>
+              <a:t>op</a:t>
+            </a:r>
+            <a:r>
+              <a:rPr lang="nb-NO" i="1" dirty="0"/>
+              <a:t>": "</a:t>
+            </a:r>
+            <a:r>
+              <a:rPr lang="nb-NO" b="1" i="1" dirty="0"/>
+              <a:t>test</a:t>
+            </a:r>
+            <a:r>
+              <a:rPr lang="nb-NO" i="1" dirty="0"/>
+              <a:t>", "</a:t>
+            </a:r>
+            <a:r>
+              <a:rPr lang="nb-NO" i="1" dirty="0" err="1"/>
+              <a:t>path</a:t>
+            </a:r>
+            <a:r>
+              <a:rPr lang="nb-NO" i="1" dirty="0"/>
+              <a:t>": "/a/b/c", "</a:t>
+            </a:r>
+            <a:r>
+              <a:rPr lang="nb-NO" i="1" dirty="0" err="1"/>
+              <a:t>value</a:t>
+            </a:r>
+            <a:r>
+              <a:rPr lang="nb-NO" i="1" dirty="0"/>
+              <a:t>": "</a:t>
+            </a:r>
+            <a:r>
+              <a:rPr lang="nb-NO" i="1" dirty="0" err="1"/>
+              <a:t>foo</a:t>
+            </a:r>
+            <a:r>
+              <a:rPr lang="nb-NO" i="1" dirty="0"/>
+              <a:t>" }, { "</a:t>
+            </a:r>
+            <a:r>
+              <a:rPr lang="nb-NO" i="1" dirty="0" err="1"/>
+              <a:t>op</a:t>
+            </a:r>
+            <a:r>
+              <a:rPr lang="nb-NO" i="1" dirty="0"/>
+              <a:t>": "</a:t>
+            </a:r>
+            <a:r>
+              <a:rPr lang="nb-NO" b="1" i="1" dirty="0" err="1"/>
+              <a:t>remove</a:t>
+            </a:r>
+            <a:r>
+              <a:rPr lang="nb-NO" i="1" dirty="0"/>
+              <a:t>", "</a:t>
+            </a:r>
+            <a:r>
+              <a:rPr lang="nb-NO" i="1" dirty="0" err="1"/>
+              <a:t>path</a:t>
+            </a:r>
+            <a:r>
+              <a:rPr lang="nb-NO" i="1" dirty="0"/>
+              <a:t>": "/a/b/c" }, { "</a:t>
+            </a:r>
+            <a:r>
+              <a:rPr lang="nb-NO" i="1" dirty="0" err="1"/>
+              <a:t>op</a:t>
+            </a:r>
+            <a:r>
+              <a:rPr lang="nb-NO" i="1" dirty="0"/>
+              <a:t>": "</a:t>
+            </a:r>
+            <a:r>
+              <a:rPr lang="nb-NO" b="1" i="1" dirty="0" err="1"/>
+              <a:t>add</a:t>
+            </a:r>
+            <a:r>
+              <a:rPr lang="nb-NO" i="1" dirty="0"/>
+              <a:t>", "</a:t>
+            </a:r>
+            <a:r>
+              <a:rPr lang="nb-NO" i="1" dirty="0" err="1"/>
+              <a:t>path</a:t>
+            </a:r>
+            <a:r>
+              <a:rPr lang="nb-NO" i="1" dirty="0"/>
+              <a:t>": "/a/b/c", "</a:t>
+            </a:r>
+            <a:r>
+              <a:rPr lang="nb-NO" i="1" dirty="0" err="1"/>
+              <a:t>value</a:t>
+            </a:r>
+            <a:r>
+              <a:rPr lang="nb-NO" i="1" dirty="0"/>
+              <a:t>": [ "</a:t>
+            </a:r>
+            <a:r>
+              <a:rPr lang="nb-NO" i="1" dirty="0" err="1"/>
+              <a:t>foo</a:t>
+            </a:r>
+            <a:r>
+              <a:rPr lang="nb-NO" i="1" dirty="0"/>
+              <a:t>", "bar" ] }, { "</a:t>
+            </a:r>
+            <a:r>
+              <a:rPr lang="nb-NO" i="1" dirty="0" err="1"/>
+              <a:t>op</a:t>
+            </a:r>
+            <a:r>
+              <a:rPr lang="nb-NO" i="1" dirty="0"/>
+              <a:t>": "</a:t>
+            </a:r>
+            <a:r>
+              <a:rPr lang="nb-NO" b="1" i="1" dirty="0" err="1"/>
+              <a:t>replace</a:t>
+            </a:r>
+            <a:r>
+              <a:rPr lang="nb-NO" i="1" dirty="0"/>
+              <a:t>", "</a:t>
+            </a:r>
+            <a:r>
+              <a:rPr lang="nb-NO" i="1" dirty="0" err="1"/>
+              <a:t>path</a:t>
+            </a:r>
+            <a:r>
+              <a:rPr lang="nb-NO" i="1" dirty="0"/>
+              <a:t>": "/a/b/c", "</a:t>
+            </a:r>
+            <a:r>
+              <a:rPr lang="nb-NO" i="1" dirty="0" err="1"/>
+              <a:t>value</a:t>
+            </a:r>
+            <a:r>
+              <a:rPr lang="nb-NO" i="1" dirty="0"/>
+              <a:t>": 42 }, { "</a:t>
+            </a:r>
+            <a:r>
+              <a:rPr lang="nb-NO" i="1" dirty="0" err="1"/>
+              <a:t>op</a:t>
+            </a:r>
+            <a:r>
+              <a:rPr lang="nb-NO" i="1" dirty="0"/>
+              <a:t>": "</a:t>
+            </a:r>
+            <a:r>
+              <a:rPr lang="nb-NO" b="1" i="1" dirty="0" err="1"/>
+              <a:t>move</a:t>
+            </a:r>
+            <a:r>
+              <a:rPr lang="nb-NO" i="1" dirty="0"/>
+              <a:t>", "from": "/a/b/c", "</a:t>
+            </a:r>
+            <a:r>
+              <a:rPr lang="nb-NO" i="1" dirty="0" err="1"/>
+              <a:t>path</a:t>
+            </a:r>
+            <a:r>
+              <a:rPr lang="nb-NO" i="1" dirty="0"/>
+              <a:t>": "/a/b/d" }, { "</a:t>
+            </a:r>
+            <a:r>
+              <a:rPr lang="nb-NO" i="1" dirty="0" err="1"/>
+              <a:t>op</a:t>
+            </a:r>
+            <a:r>
+              <a:rPr lang="nb-NO" i="1" dirty="0"/>
+              <a:t>": "</a:t>
+            </a:r>
+            <a:r>
+              <a:rPr lang="nb-NO" b="1" i="1" dirty="0" err="1"/>
+              <a:t>copy</a:t>
+            </a:r>
+            <a:r>
+              <a:rPr lang="nb-NO" i="1" dirty="0"/>
+              <a:t>", "from": "/a/b/d", "</a:t>
+            </a:r>
+            <a:r>
+              <a:rPr lang="nb-NO" i="1" dirty="0" err="1"/>
+              <a:t>path</a:t>
+            </a:r>
+            <a:r>
+              <a:rPr lang="nb-NO" i="1" dirty="0"/>
+              <a:t>": "/a/b/e" } ]</a:t>
+            </a:r>
+          </a:p>
+          <a:p>
+            <a:r>
+              <a:rPr lang="en-US" dirty="0"/>
+              <a:t>When talking of HTTP PATCH, always need to define the type format of updates</a:t>
+            </a:r>
+          </a:p>
+        </p:txBody>
+      </p:sp>
+    </p:spTree>
+    <p:extLst>
+      <p:ext uri="{BB962C8B-B14F-4D97-AF65-F5344CB8AC3E}">
+        <p14:creationId xmlns:p14="http://schemas.microsoft.com/office/powerpoint/2010/main" val="1370209365"/>
+      </p:ext>
+    </p:extLst>
+  </p:cSld>
+  <p:clrMapOvr>
+    <a:masterClrMapping/>
+  </p:clrMapOvr>
+</p:sld>
+</file>
+
+<file path=ppt/slides/slide21.xml><?xml version="1.0" encoding="utf-8"?>
+<p:sld xmlns:a="http://schemas.openxmlformats.org/drawingml/2006/main" xmlns:r="http://schemas.openxmlformats.org/officeDocument/2006/relationships" xmlns:p="http://schemas.openxmlformats.org/presentationml/2006/main">
+  <p:cSld>
+    <p:spTree>
+      <p:nvGrpSpPr>
+        <p:cNvPr id="1" name=""/>
+        <p:cNvGrpSpPr/>
+        <p:nvPr/>
+      </p:nvGrpSpPr>
+      <p:grpSpPr>
+        <a:xfrm>
+          <a:off x="0" y="0"/>
+          <a:ext cx="0" cy="0"/>
+          <a:chOff x="0" y="0"/>
+          <a:chExt cx="0" cy="0"/>
+        </a:xfrm>
+      </p:grpSpPr>
+      <p:sp>
+        <p:nvSpPr>
+          <p:cNvPr id="4" name="Title 3">
+            <a:extLst>
+              <a:ext uri="{FF2B5EF4-FFF2-40B4-BE49-F238E27FC236}">
+                <a16:creationId xmlns:a16="http://schemas.microsoft.com/office/drawing/2014/main" id="{96AB1A0A-7EE6-A74C-AC1D-54A3FCE63A63}"/>
+              </a:ext>
+            </a:extLst>
+          </p:cNvPr>
+          <p:cNvSpPr>
+            <a:spLocks noGrp="1"/>
+          </p:cNvSpPr>
+          <p:nvPr>
+            <p:ph type="title"/>
+          </p:nvPr>
+        </p:nvSpPr>
+        <p:spPr/>
+        <p:txBody>
+          <a:bodyPr/>
+          <a:lstStyle/>
+          <a:p>
+            <a:r>
+              <a:rPr lang="en-US" dirty="0"/>
+              <a:t>GUIs</a:t>
+            </a:r>
+          </a:p>
+        </p:txBody>
+      </p:sp>
+    </p:spTree>
+    <p:extLst>
+      <p:ext uri="{BB962C8B-B14F-4D97-AF65-F5344CB8AC3E}">
+        <p14:creationId xmlns:p14="http://schemas.microsoft.com/office/powerpoint/2010/main" val="1650527280"/>
+      </p:ext>
+    </p:extLst>
+  </p:cSld>
+  <p:clrMapOvr>
+    <a:masterClrMapping/>
+  </p:clrMapOvr>
+</p:sld>
+</file>
+
+<file path=ppt/slides/slide22.xml><?xml version="1.0" encoding="utf-8"?>
+<p:sld xmlns:a="http://schemas.openxmlformats.org/drawingml/2006/main" xmlns:r="http://schemas.openxmlformats.org/officeDocument/2006/relationships" xmlns:p="http://schemas.openxmlformats.org/presentationml/2006/main">
+  <p:cSld>
+    <p:spTree>
+      <p:nvGrpSpPr>
+        <p:cNvPr id="1" name=""/>
+        <p:cNvGrpSpPr/>
+        <p:nvPr/>
+      </p:nvGrpSpPr>
+      <p:grpSpPr>
+        <a:xfrm>
+          <a:off x="0" y="0"/>
+          <a:ext cx="0" cy="0"/>
+          <a:chOff x="0" y="0"/>
+          <a:chExt cx="0" cy="0"/>
+        </a:xfrm>
+      </p:grpSpPr>
+      <p:sp>
+        <p:nvSpPr>
+          <p:cNvPr id="2" name="Title 1">
+            <a:extLst>
+              <a:ext uri="{FF2B5EF4-FFF2-40B4-BE49-F238E27FC236}">
+                <a16:creationId xmlns:a16="http://schemas.microsoft.com/office/drawing/2014/main" id="{B84C9149-4EAE-D546-9A49-0C89BDEFEC2F}"/>
+              </a:ext>
+            </a:extLst>
+          </p:cNvPr>
+          <p:cNvSpPr>
+            <a:spLocks noGrp="1"/>
+          </p:cNvSpPr>
+          <p:nvPr>
+            <p:ph type="title"/>
+          </p:nvPr>
+        </p:nvSpPr>
+        <p:spPr/>
+        <p:txBody>
+          <a:bodyPr/>
+          <a:lstStyle/>
+          <a:p>
+            <a:r>
+              <a:rPr lang="en-US" dirty="0"/>
+              <a:t>Web Applications</a:t>
+            </a:r>
+          </a:p>
+        </p:txBody>
+      </p:sp>
+      <p:sp>
+        <p:nvSpPr>
+          <p:cNvPr id="3" name="Content Placeholder 2">
+            <a:extLst>
+              <a:ext uri="{FF2B5EF4-FFF2-40B4-BE49-F238E27FC236}">
+                <a16:creationId xmlns:a16="http://schemas.microsoft.com/office/drawing/2014/main" id="{CA741F31-3F2C-974D-9DB6-9C51FF58832F}"/>
+              </a:ext>
+            </a:extLst>
+          </p:cNvPr>
+          <p:cNvSpPr>
+            <a:spLocks noGrp="1"/>
+          </p:cNvSpPr>
+          <p:nvPr>
+            <p:ph idx="1"/>
+          </p:nvPr>
+        </p:nvSpPr>
+        <p:spPr>
+          <a:xfrm>
+            <a:off x="168676" y="1825625"/>
+            <a:ext cx="11922710" cy="4912526"/>
+          </a:xfrm>
+        </p:spPr>
+        <p:txBody>
+          <a:bodyPr/>
+          <a:lstStyle/>
+          <a:p>
+            <a:r>
+              <a:rPr lang="en-US" dirty="0"/>
+              <a:t>In </a:t>
+            </a:r>
+            <a:r>
+              <a:rPr lang="en-US" i="1" dirty="0"/>
+              <a:t>Web Development and API Design</a:t>
+            </a:r>
+            <a:r>
+              <a:rPr lang="en-US" dirty="0"/>
+              <a:t> course we have seen how to build </a:t>
+            </a:r>
+            <a:r>
+              <a:rPr lang="en-US" i="1" dirty="0"/>
+              <a:t>frontends</a:t>
+            </a:r>
+            <a:r>
+              <a:rPr lang="en-US" dirty="0"/>
+              <a:t> with </a:t>
+            </a:r>
+            <a:r>
+              <a:rPr lang="en-US" i="1" dirty="0"/>
+              <a:t>React</a:t>
+            </a:r>
+          </a:p>
+          <a:p>
+            <a:r>
+              <a:rPr lang="en-US" i="1" dirty="0"/>
+              <a:t>Web Application: frontend + backend</a:t>
+            </a:r>
+          </a:p>
+          <a:p>
+            <a:r>
+              <a:rPr lang="en-US" i="1" dirty="0"/>
+              <a:t>Frontend: </a:t>
+            </a:r>
+            <a:r>
+              <a:rPr lang="en-US" dirty="0" err="1"/>
+              <a:t>eg</a:t>
+            </a:r>
+            <a:r>
+              <a:rPr lang="en-US" dirty="0"/>
+              <a:t>, SPA with </a:t>
+            </a:r>
+            <a:r>
+              <a:rPr lang="en-US" i="1" dirty="0"/>
+              <a:t>React</a:t>
+            </a:r>
+          </a:p>
+          <a:p>
+            <a:r>
+              <a:rPr lang="en-US" i="1" dirty="0"/>
+              <a:t>Backend:</a:t>
+            </a:r>
+            <a:r>
+              <a:rPr lang="en-US" dirty="0"/>
+              <a:t> </a:t>
+            </a:r>
+            <a:r>
+              <a:rPr lang="en-US" dirty="0" err="1"/>
+              <a:t>eg</a:t>
+            </a:r>
+            <a:r>
+              <a:rPr lang="en-US" dirty="0"/>
+              <a:t>, web service like REST</a:t>
+            </a:r>
+            <a:endParaRPr lang="en-US" i="1" dirty="0"/>
+          </a:p>
+        </p:txBody>
+      </p:sp>
+    </p:spTree>
+    <p:extLst>
+      <p:ext uri="{BB962C8B-B14F-4D97-AF65-F5344CB8AC3E}">
+        <p14:creationId xmlns:p14="http://schemas.microsoft.com/office/powerpoint/2010/main" val="1498025031"/>
+      </p:ext>
+    </p:extLst>
+  </p:cSld>
+  <p:clrMapOvr>
+    <a:masterClrMapping/>
+  </p:clrMapOvr>
+</p:sld>
+</file>
+
+<file path=ppt/slides/slide23.xml><?xml version="1.0" encoding="utf-8"?>
+<p:sld xmlns:a="http://schemas.openxmlformats.org/drawingml/2006/main" xmlns:r="http://schemas.openxmlformats.org/officeDocument/2006/relationships" xmlns:p="http://schemas.openxmlformats.org/presentationml/2006/main">
+  <p:cSld>
+    <p:spTree>
+      <p:nvGrpSpPr>
+        <p:cNvPr id="1" name=""/>
+        <p:cNvGrpSpPr/>
+        <p:nvPr/>
+      </p:nvGrpSpPr>
+      <p:grpSpPr>
+        <a:xfrm>
+          <a:off x="0" y="0"/>
+          <a:ext cx="0" cy="0"/>
+          <a:chOff x="0" y="0"/>
+          <a:chExt cx="0" cy="0"/>
+        </a:xfrm>
+      </p:grpSpPr>
+      <p:sp>
+        <p:nvSpPr>
+          <p:cNvPr id="2" name="Title 1"/>
+          <p:cNvSpPr>
+            <a:spLocks noGrp="1"/>
+          </p:cNvSpPr>
+          <p:nvPr>
+            <p:ph type="title"/>
+          </p:nvPr>
+        </p:nvSpPr>
+        <p:spPr/>
+        <p:txBody>
+          <a:bodyPr/>
+          <a:lstStyle/>
+          <a:p>
+            <a:r>
+              <a:rPr lang="en-US" dirty="0"/>
+              <a:t>Static Resources</a:t>
+            </a:r>
+          </a:p>
+        </p:txBody>
+      </p:sp>
+      <p:sp>
+        <p:nvSpPr>
+          <p:cNvPr id="3" name="Content Placeholder 2"/>
+          <p:cNvSpPr>
+            <a:spLocks noGrp="1"/>
+          </p:cNvSpPr>
+          <p:nvPr>
+            <p:ph idx="1"/>
+          </p:nvPr>
+        </p:nvSpPr>
+        <p:spPr>
+          <a:xfrm>
+            <a:off x="313899" y="1825624"/>
+            <a:ext cx="11675659" cy="4814011"/>
+          </a:xfrm>
+        </p:spPr>
+        <p:txBody>
+          <a:bodyPr>
+            <a:normAutofit/>
+          </a:bodyPr>
+          <a:lstStyle/>
+          <a:p>
+            <a:r>
+              <a:rPr lang="en-US" dirty="0"/>
+              <a:t>HTML files </a:t>
+            </a:r>
+          </a:p>
+          <a:p>
+            <a:pPr lvl="1"/>
+            <a:r>
+              <a:rPr lang="en-US" dirty="0"/>
+              <a:t>usually just a single </a:t>
+            </a:r>
+            <a:r>
+              <a:rPr lang="en-US" i="1" dirty="0"/>
+              <a:t>index.html</a:t>
+            </a:r>
+            <a:r>
+              <a:rPr lang="en-US" dirty="0"/>
+              <a:t> is SPAs</a:t>
+            </a:r>
+          </a:p>
+          <a:p>
+            <a:r>
+              <a:rPr lang="en-US" dirty="0"/>
+              <a:t>CSS</a:t>
+            </a:r>
+          </a:p>
+          <a:p>
+            <a:r>
+              <a:rPr lang="en-US" dirty="0"/>
+              <a:t>JavaScript source files</a:t>
+            </a:r>
+          </a:p>
+          <a:p>
+            <a:pPr lvl="1"/>
+            <a:r>
+              <a:rPr lang="en-US" dirty="0" err="1"/>
+              <a:t>eg</a:t>
+            </a:r>
+            <a:r>
+              <a:rPr lang="en-US" dirty="0"/>
+              <a:t>, </a:t>
+            </a:r>
+            <a:r>
+              <a:rPr lang="en-US" i="1" dirty="0"/>
+              <a:t>bundle.js</a:t>
+            </a:r>
+          </a:p>
+          <a:p>
+            <a:r>
+              <a:rPr lang="en-US" dirty="0"/>
+              <a:t>Images, documents, or any type of files to download</a:t>
+            </a:r>
+          </a:p>
+          <a:p>
+            <a:pPr lvl="1"/>
+            <a:r>
+              <a:rPr lang="en-US" dirty="0" err="1"/>
+              <a:t>eg</a:t>
+            </a:r>
+            <a:r>
+              <a:rPr lang="en-US" dirty="0"/>
+              <a:t>, PDFs</a:t>
+            </a:r>
+          </a:p>
+          <a:p>
+            <a:r>
+              <a:rPr lang="en-US" dirty="0"/>
+              <a:t>etc.</a:t>
+            </a:r>
+          </a:p>
+        </p:txBody>
+      </p:sp>
+    </p:spTree>
+    <p:extLst>
+      <p:ext uri="{BB962C8B-B14F-4D97-AF65-F5344CB8AC3E}">
+        <p14:creationId xmlns:p14="http://schemas.microsoft.com/office/powerpoint/2010/main" val="2787167504"/>
+      </p:ext>
+    </p:extLst>
+  </p:cSld>
+  <p:clrMapOvr>
+    <a:masterClrMapping/>
+  </p:clrMapOvr>
+</p:sld>
+</file>
+
+<file path=ppt/slides/slide24.xml><?xml version="1.0" encoding="utf-8"?>
+<p:sld xmlns:a="http://schemas.openxmlformats.org/drawingml/2006/main" xmlns:r="http://schemas.openxmlformats.org/officeDocument/2006/relationships" xmlns:p="http://schemas.openxmlformats.org/presentationml/2006/main">
+  <p:cSld>
+    <p:spTree>
+      <p:nvGrpSpPr>
+        <p:cNvPr id="1" name=""/>
+        <p:cNvGrpSpPr/>
+        <p:nvPr/>
+      </p:nvGrpSpPr>
+      <p:grpSpPr>
+        <a:xfrm>
+          <a:off x="0" y="0"/>
+          <a:ext cx="0" cy="0"/>
+          <a:chOff x="0" y="0"/>
+          <a:chExt cx="0" cy="0"/>
+        </a:xfrm>
+      </p:grpSpPr>
+      <p:sp>
+        <p:nvSpPr>
+          <p:cNvPr id="2" name="Title 1"/>
+          <p:cNvSpPr>
+            <a:spLocks noGrp="1"/>
+          </p:cNvSpPr>
+          <p:nvPr>
+            <p:ph type="title"/>
+          </p:nvPr>
+        </p:nvSpPr>
+        <p:spPr/>
+        <p:txBody>
+          <a:bodyPr/>
+          <a:lstStyle/>
+          <a:p>
+            <a:r>
+              <a:rPr lang="en-US" dirty="0"/>
+              <a:t>Dynamic Resources</a:t>
+            </a:r>
+          </a:p>
+        </p:txBody>
+      </p:sp>
+      <p:sp>
+        <p:nvSpPr>
+          <p:cNvPr id="3" name="Content Placeholder 2"/>
+          <p:cNvSpPr>
+            <a:spLocks noGrp="1"/>
+          </p:cNvSpPr>
+          <p:nvPr>
+            <p:ph idx="1"/>
+          </p:nvPr>
+        </p:nvSpPr>
+        <p:spPr>
+          <a:xfrm>
+            <a:off x="361665" y="1825625"/>
+            <a:ext cx="11696131" cy="4848130"/>
+          </a:xfrm>
+        </p:spPr>
+        <p:txBody>
+          <a:bodyPr/>
+          <a:lstStyle/>
+          <a:p>
+            <a:r>
+              <a:rPr lang="en-US" dirty="0"/>
+              <a:t>Data that usually change through time</a:t>
+            </a:r>
+          </a:p>
+          <a:p>
+            <a:r>
+              <a:rPr lang="en-US" dirty="0"/>
+              <a:t>Can depend on user interactions </a:t>
+            </a:r>
+          </a:p>
+          <a:p>
+            <a:pPr lvl="1"/>
+            <a:r>
+              <a:rPr lang="en-US" dirty="0"/>
+              <a:t>create an account, add items to a shopping cart, etc.</a:t>
+            </a:r>
+          </a:p>
+          <a:p>
+            <a:r>
+              <a:rPr lang="en-US" dirty="0"/>
+              <a:t>Could have long term storage in SQL and NoSQL databases</a:t>
+            </a:r>
+          </a:p>
+          <a:p>
+            <a:r>
+              <a:rPr lang="en-US" dirty="0"/>
+              <a:t>In REST, usually we will get a </a:t>
+            </a:r>
+            <a:r>
+              <a:rPr lang="en-US" i="1" dirty="0"/>
+              <a:t>representation</a:t>
+            </a:r>
+            <a:r>
+              <a:rPr lang="en-US" dirty="0"/>
+              <a:t> of those resource in JSON format</a:t>
+            </a:r>
+          </a:p>
+          <a:p>
+            <a:r>
+              <a:rPr lang="en-US" dirty="0"/>
+              <a:t>Handling/generation of dynamic resources usually depend on </a:t>
+            </a:r>
+            <a:r>
+              <a:rPr lang="en-US" i="1" dirty="0"/>
+              <a:t>business logic </a:t>
+            </a:r>
+            <a:r>
+              <a:rPr lang="en-US" dirty="0"/>
+              <a:t>in the so called </a:t>
+            </a:r>
+            <a:r>
+              <a:rPr lang="en-US" i="1" dirty="0"/>
+              <a:t>backend</a:t>
+            </a:r>
+          </a:p>
+        </p:txBody>
+      </p:sp>
+    </p:spTree>
+    <p:extLst>
+      <p:ext uri="{BB962C8B-B14F-4D97-AF65-F5344CB8AC3E}">
+        <p14:creationId xmlns:p14="http://schemas.microsoft.com/office/powerpoint/2010/main" val="4095690058"/>
+      </p:ext>
+    </p:extLst>
+  </p:cSld>
+  <p:clrMapOvr>
+    <a:masterClrMapping/>
+  </p:clrMapOvr>
+</p:sld>
+</file>
+
+<file path=ppt/slides/slide25.xml><?xml version="1.0" encoding="utf-8"?>
+<p:sld xmlns:a="http://schemas.openxmlformats.org/drawingml/2006/main" xmlns:r="http://schemas.openxmlformats.org/officeDocument/2006/relationships" xmlns:p="http://schemas.openxmlformats.org/presentationml/2006/main">
+  <p:cSld>
+    <p:spTree>
+      <p:nvGrpSpPr>
+        <p:cNvPr id="1" name=""/>
+        <p:cNvGrpSpPr/>
+        <p:nvPr/>
+      </p:nvGrpSpPr>
+      <p:grpSpPr>
+        <a:xfrm>
+          <a:off x="0" y="0"/>
+          <a:ext cx="0" cy="0"/>
+          <a:chOff x="0" y="0"/>
+          <a:chExt cx="0" cy="0"/>
+        </a:xfrm>
+      </p:grpSpPr>
+      <p:sp>
+        <p:nvSpPr>
+          <p:cNvPr id="2" name="Title 1"/>
+          <p:cNvSpPr>
+            <a:spLocks noGrp="1"/>
+          </p:cNvSpPr>
+          <p:nvPr>
+            <p:ph type="title"/>
+          </p:nvPr>
+        </p:nvSpPr>
+        <p:spPr/>
+        <p:txBody>
+          <a:bodyPr/>
+          <a:lstStyle/>
+          <a:p>
+            <a:r>
+              <a:rPr lang="en-US" dirty="0"/>
+              <a:t>Static vs Dynamic</a:t>
+            </a:r>
+          </a:p>
+        </p:txBody>
+      </p:sp>
+      <p:sp>
+        <p:nvSpPr>
+          <p:cNvPr id="3" name="Content Placeholder 2"/>
+          <p:cNvSpPr>
+            <a:spLocks noGrp="1"/>
+          </p:cNvSpPr>
+          <p:nvPr>
+            <p:ph idx="1"/>
+          </p:nvPr>
+        </p:nvSpPr>
+        <p:spPr>
+          <a:xfrm>
+            <a:off x="361665" y="1825624"/>
+            <a:ext cx="11457295" cy="4779891"/>
+          </a:xfrm>
+        </p:spPr>
+        <p:txBody>
+          <a:bodyPr>
+            <a:normAutofit lnSpcReduction="10000"/>
+          </a:bodyPr>
+          <a:lstStyle/>
+          <a:p>
+            <a:r>
+              <a:rPr lang="en-US" dirty="0"/>
+              <a:t>“Usually”, the static resources will define the </a:t>
+            </a:r>
+            <a:r>
+              <a:rPr lang="en-US" i="1" dirty="0"/>
+              <a:t>frontend</a:t>
+            </a:r>
+            <a:r>
+              <a:rPr lang="en-US" dirty="0"/>
+              <a:t> of a web application</a:t>
+            </a:r>
+          </a:p>
+          <a:p>
+            <a:pPr lvl="1"/>
+            <a:r>
+              <a:rPr lang="en-US" dirty="0"/>
+              <a:t>HTML/CSS/JS/images/etc.</a:t>
+            </a:r>
+          </a:p>
+          <a:p>
+            <a:r>
+              <a:rPr lang="en-US" dirty="0"/>
+              <a:t>The </a:t>
+            </a:r>
+            <a:r>
+              <a:rPr lang="en-US" i="1" dirty="0"/>
+              <a:t>backend</a:t>
+            </a:r>
+            <a:r>
+              <a:rPr lang="en-US" dirty="0"/>
+              <a:t> will be a server providing data via JSON, and long term storage with databases</a:t>
+            </a:r>
+          </a:p>
+          <a:p>
+            <a:r>
+              <a:rPr lang="en-US" i="1" dirty="0"/>
+              <a:t>Backend</a:t>
+            </a:r>
+            <a:r>
+              <a:rPr lang="en-US" dirty="0"/>
+              <a:t> will be a process with business logic written in some programming language (JS, or Java and C#)</a:t>
+            </a:r>
+          </a:p>
+          <a:p>
+            <a:r>
+              <a:rPr lang="en-US" dirty="0"/>
+              <a:t>Still, for both static and dynamic resources going to use HTTP</a:t>
+            </a:r>
+          </a:p>
+        </p:txBody>
+      </p:sp>
+    </p:spTree>
+    <p:extLst>
+      <p:ext uri="{BB962C8B-B14F-4D97-AF65-F5344CB8AC3E}">
+        <p14:creationId xmlns:p14="http://schemas.microsoft.com/office/powerpoint/2010/main" val="426989262"/>
+      </p:ext>
+    </p:extLst>
+  </p:cSld>
+  <p:clrMapOvr>
+    <a:masterClrMapping/>
+  </p:clrMapOvr>
+</p:sld>
+</file>
+
+<file path=ppt/slides/slide26.xml><?xml version="1.0" encoding="utf-8"?>
+<p:sld xmlns:a="http://schemas.openxmlformats.org/drawingml/2006/main" xmlns:r="http://schemas.openxmlformats.org/officeDocument/2006/relationships" xmlns:p="http://schemas.openxmlformats.org/presentationml/2006/main">
+  <p:cSld>
+    <p:spTree>
+      <p:nvGrpSpPr>
+        <p:cNvPr id="1" name=""/>
+        <p:cNvGrpSpPr/>
+        <p:nvPr/>
+      </p:nvGrpSpPr>
+      <p:grpSpPr>
+        <a:xfrm>
+          <a:off x="0" y="0"/>
+          <a:ext cx="0" cy="0"/>
+          <a:chOff x="0" y="0"/>
+          <a:chExt cx="0" cy="0"/>
+        </a:xfrm>
+      </p:grpSpPr>
+      <p:sp>
+        <p:nvSpPr>
+          <p:cNvPr id="3" name="Content Placeholder 2"/>
+          <p:cNvSpPr>
+            <a:spLocks noGrp="1"/>
+          </p:cNvSpPr>
+          <p:nvPr>
+            <p:ph idx="1"/>
+          </p:nvPr>
+        </p:nvSpPr>
+        <p:spPr>
+          <a:xfrm>
+            <a:off x="327660" y="187893"/>
+            <a:ext cx="11513820" cy="1416640"/>
+          </a:xfrm>
+        </p:spPr>
+        <p:txBody>
+          <a:bodyPr>
+            <a:normAutofit fontScale="70000" lnSpcReduction="20000"/>
+          </a:bodyPr>
+          <a:lstStyle/>
+          <a:p>
+            <a:r>
+              <a:rPr lang="en-US" i="1" dirty="0"/>
+              <a:t>Frontend</a:t>
+            </a:r>
+            <a:r>
+              <a:rPr lang="en-US" dirty="0"/>
+              <a:t> (e.g., React app) static assets still need to be provided by a HTTP server</a:t>
+            </a:r>
+            <a:endParaRPr lang="en-US" i="1" dirty="0"/>
+          </a:p>
+          <a:p>
+            <a:r>
+              <a:rPr lang="en-US" i="1" dirty="0"/>
+              <a:t>Backend</a:t>
+            </a:r>
+            <a:r>
+              <a:rPr lang="en-US" dirty="0"/>
+              <a:t> (e.g., REST API) with business logic and access to database is still a HTTP server</a:t>
+            </a:r>
+          </a:p>
+        </p:txBody>
+      </p:sp>
+      <p:pic>
+        <p:nvPicPr>
+          <p:cNvPr id="1028" name="Picture 4" descr="Related image"/>
+          <p:cNvPicPr>
+            <a:picLocks noChangeAspect="1" noChangeArrowheads="1"/>
+          </p:cNvPicPr>
+          <p:nvPr/>
+        </p:nvPicPr>
+        <p:blipFill>
+          <a:blip r:embed="rId2" cstate="hqprint">
+            <a:extLst>
+              <a:ext uri="{28A0092B-C50C-407E-A947-70E740481C1C}">
+                <a14:useLocalDpi xmlns:a14="http://schemas.microsoft.com/office/drawing/2010/main" val="0"/>
+              </a:ext>
+            </a:extLst>
+          </a:blip>
+          <a:srcRect/>
+          <a:stretch>
+            <a:fillRect/>
+          </a:stretch>
+        </p:blipFill>
+        <p:spPr bwMode="auto">
+          <a:xfrm flipH="1">
+            <a:off x="1217294" y="3607772"/>
+            <a:ext cx="1298574" cy="1298574"/>
+          </a:xfrm>
+          <a:prstGeom prst="rect">
+            <a:avLst/>
+          </a:prstGeom>
+          <a:noFill/>
+          <a:extLst>
+            <a:ext uri="{909E8E84-426E-40DD-AFC4-6F175D3DCCD1}">
+              <a14:hiddenFill xmlns:a14="http://schemas.microsoft.com/office/drawing/2010/main">
+                <a:solidFill>
+                  <a:srgbClr val="FFFFFF"/>
+                </a:solidFill>
+              </a14:hiddenFill>
+            </a:ext>
+          </a:extLst>
+        </p:spPr>
+      </p:pic>
+      <p:pic>
+        <p:nvPicPr>
+          <p:cNvPr id="1030" name="Picture 6" descr="Image result for server"/>
+          <p:cNvPicPr>
+            <a:picLocks noChangeAspect="1" noChangeArrowheads="1"/>
+          </p:cNvPicPr>
+          <p:nvPr/>
+        </p:nvPicPr>
+        <p:blipFill>
+          <a:blip r:embed="rId3">
+            <a:extLst>
+              <a:ext uri="{28A0092B-C50C-407E-A947-70E740481C1C}">
+                <a14:useLocalDpi xmlns:a14="http://schemas.microsoft.com/office/drawing/2010/main" val="0"/>
+              </a:ext>
+            </a:extLst>
+          </a:blip>
+          <a:srcRect/>
+          <a:stretch>
+            <a:fillRect/>
+          </a:stretch>
+        </p:blipFill>
+        <p:spPr bwMode="auto">
+          <a:xfrm>
+            <a:off x="6805294" y="1629782"/>
+            <a:ext cx="2270126" cy="1708750"/>
+          </a:xfrm>
+          <a:prstGeom prst="rect">
+            <a:avLst/>
+          </a:prstGeom>
+          <a:noFill/>
+          <a:extLst>
+            <a:ext uri="{909E8E84-426E-40DD-AFC4-6F175D3DCCD1}">
+              <a14:hiddenFill xmlns:a14="http://schemas.microsoft.com/office/drawing/2010/main">
+                <a:solidFill>
+                  <a:srgbClr val="FFFFFF"/>
+                </a:solidFill>
+              </a14:hiddenFill>
+            </a:ext>
+          </a:extLst>
+        </p:spPr>
+      </p:pic>
+      <p:pic>
+        <p:nvPicPr>
+          <p:cNvPr id="7" name="Picture 6" descr="Image result for server"/>
+          <p:cNvPicPr>
+            <a:picLocks noChangeAspect="1" noChangeArrowheads="1"/>
+          </p:cNvPicPr>
+          <p:nvPr/>
+        </p:nvPicPr>
+        <p:blipFill>
+          <a:blip r:embed="rId3">
+            <a:extLst>
+              <a:ext uri="{28A0092B-C50C-407E-A947-70E740481C1C}">
+                <a14:useLocalDpi xmlns:a14="http://schemas.microsoft.com/office/drawing/2010/main" val="0"/>
+              </a:ext>
+            </a:extLst>
+          </a:blip>
+          <a:srcRect/>
+          <a:stretch>
+            <a:fillRect/>
+          </a:stretch>
+        </p:blipFill>
+        <p:spPr bwMode="auto">
+          <a:xfrm>
+            <a:off x="6805294" y="5084481"/>
+            <a:ext cx="2270126" cy="1708750"/>
+          </a:xfrm>
+          <a:prstGeom prst="rect">
+            <a:avLst/>
+          </a:prstGeom>
+          <a:noFill/>
+          <a:extLst>
+            <a:ext uri="{909E8E84-426E-40DD-AFC4-6F175D3DCCD1}">
+              <a14:hiddenFill xmlns:a14="http://schemas.microsoft.com/office/drawing/2010/main">
+                <a:solidFill>
+                  <a:srgbClr val="FFFFFF"/>
+                </a:solidFill>
+              </a14:hiddenFill>
+            </a:ext>
+          </a:extLst>
+        </p:spPr>
+      </p:pic>
+      <p:sp>
+        <p:nvSpPr>
+          <p:cNvPr id="4" name="TextBox 3"/>
+          <p:cNvSpPr txBox="1"/>
+          <p:nvPr/>
+        </p:nvSpPr>
+        <p:spPr>
+          <a:xfrm>
+            <a:off x="6935723" y="3308637"/>
+            <a:ext cx="2009268" cy="461665"/>
+          </a:xfrm>
+          <a:prstGeom prst="rect">
+            <a:avLst/>
+          </a:prstGeom>
+          <a:noFill/>
+        </p:spPr>
+        <p:txBody>
+          <a:bodyPr wrap="none" rtlCol="0">
+            <a:spAutoFit/>
+          </a:bodyPr>
+          <a:lstStyle/>
+          <a:p>
+            <a:r>
+              <a:rPr lang="en-US" sz="2400" dirty="0"/>
+              <a:t>localhost:8080</a:t>
+            </a:r>
+          </a:p>
+        </p:txBody>
+      </p:sp>
+      <p:sp>
+        <p:nvSpPr>
+          <p:cNvPr id="9" name="TextBox 8"/>
+          <p:cNvSpPr txBox="1"/>
+          <p:nvPr/>
+        </p:nvSpPr>
+        <p:spPr>
+          <a:xfrm>
+            <a:off x="6935723" y="4597567"/>
+            <a:ext cx="2009268" cy="461665"/>
+          </a:xfrm>
+          <a:prstGeom prst="rect">
+            <a:avLst/>
+          </a:prstGeom>
+          <a:noFill/>
+        </p:spPr>
+        <p:txBody>
+          <a:bodyPr wrap="none" rtlCol="0">
+            <a:spAutoFit/>
+          </a:bodyPr>
+          <a:lstStyle/>
+          <a:p>
+            <a:r>
+              <a:rPr lang="en-US" sz="2400" dirty="0"/>
+              <a:t>localhost:8081</a:t>
+            </a:r>
+          </a:p>
+        </p:txBody>
+      </p:sp>
+      <p:cxnSp>
+        <p:nvCxnSpPr>
+          <p:cNvPr id="6" name="Straight Arrow Connector 5"/>
+          <p:cNvCxnSpPr>
+            <a:stCxn id="1028" idx="1"/>
+            <a:endCxn id="1030" idx="1"/>
+          </p:cNvCxnSpPr>
+          <p:nvPr/>
+        </p:nvCxnSpPr>
+        <p:spPr>
+          <a:xfrm flipV="1">
+            <a:off x="2515868" y="2484157"/>
+            <a:ext cx="4289426" cy="1772902"/>
+          </a:xfrm>
+          <a:prstGeom prst="straightConnector1">
+            <a:avLst/>
+          </a:prstGeom>
+          <a:ln w="57150">
+            <a:solidFill>
+              <a:schemeClr val="tx1"/>
+            </a:solidFill>
+            <a:tailEnd type="triangle"/>
+          </a:ln>
+        </p:spPr>
+        <p:style>
+          <a:lnRef idx="1">
+            <a:schemeClr val="accent1"/>
+          </a:lnRef>
+          <a:fillRef idx="0">
+            <a:schemeClr val="accent1"/>
+          </a:fillRef>
+          <a:effectRef idx="0">
+            <a:schemeClr val="accent1"/>
+          </a:effectRef>
+          <a:fontRef idx="minor">
+            <a:schemeClr val="tx1"/>
+          </a:fontRef>
+        </p:style>
+      </p:cxnSp>
+      <p:cxnSp>
+        <p:nvCxnSpPr>
+          <p:cNvPr id="12" name="Straight Arrow Connector 11"/>
+          <p:cNvCxnSpPr>
+            <a:stCxn id="1028" idx="1"/>
+            <a:endCxn id="7" idx="1"/>
+          </p:cNvCxnSpPr>
+          <p:nvPr/>
+        </p:nvCxnSpPr>
+        <p:spPr>
+          <a:xfrm>
+            <a:off x="2515868" y="4257059"/>
+            <a:ext cx="4289426" cy="1681797"/>
+          </a:xfrm>
+          <a:prstGeom prst="straightConnector1">
+            <a:avLst/>
+          </a:prstGeom>
+          <a:ln w="57150">
+            <a:solidFill>
+              <a:schemeClr val="tx1"/>
+            </a:solidFill>
+            <a:tailEnd type="triangle"/>
+          </a:ln>
+        </p:spPr>
+        <p:style>
+          <a:lnRef idx="1">
+            <a:schemeClr val="accent1"/>
+          </a:lnRef>
+          <a:fillRef idx="0">
+            <a:schemeClr val="accent1"/>
+          </a:fillRef>
+          <a:effectRef idx="0">
+            <a:schemeClr val="accent1"/>
+          </a:effectRef>
+          <a:fontRef idx="minor">
+            <a:schemeClr val="tx1"/>
+          </a:fontRef>
+        </p:style>
+      </p:cxnSp>
+      <p:sp>
+        <p:nvSpPr>
+          <p:cNvPr id="13" name="TextBox 12"/>
+          <p:cNvSpPr txBox="1"/>
+          <p:nvPr/>
+        </p:nvSpPr>
+        <p:spPr>
+          <a:xfrm>
+            <a:off x="3682210" y="1988897"/>
+            <a:ext cx="1705916" cy="1015663"/>
+          </a:xfrm>
+          <a:prstGeom prst="rect">
+            <a:avLst/>
+          </a:prstGeom>
+          <a:noFill/>
+        </p:spPr>
+        <p:txBody>
+          <a:bodyPr wrap="none" rtlCol="0">
+            <a:spAutoFit/>
+          </a:bodyPr>
+          <a:lstStyle/>
+          <a:p>
+            <a:r>
+              <a:rPr lang="en-US" sz="2000" dirty="0"/>
+              <a:t>GET /</a:t>
+            </a:r>
+          </a:p>
+          <a:p>
+            <a:r>
+              <a:rPr lang="en-US" sz="2000" dirty="0"/>
+              <a:t>GET /style.css</a:t>
+            </a:r>
+          </a:p>
+          <a:p>
+            <a:r>
+              <a:rPr lang="en-US" sz="2000" dirty="0"/>
+              <a:t>GET /bundle.js</a:t>
+            </a:r>
+          </a:p>
+        </p:txBody>
+      </p:sp>
+      <p:sp>
+        <p:nvSpPr>
+          <p:cNvPr id="17" name="TextBox 16"/>
+          <p:cNvSpPr txBox="1"/>
+          <p:nvPr/>
+        </p:nvSpPr>
+        <p:spPr>
+          <a:xfrm>
+            <a:off x="3062287" y="5509558"/>
+            <a:ext cx="3093720" cy="1015663"/>
+          </a:xfrm>
+          <a:prstGeom prst="rect">
+            <a:avLst/>
+          </a:prstGeom>
+          <a:noFill/>
+        </p:spPr>
+        <p:txBody>
+          <a:bodyPr wrap="square" rtlCol="0">
+            <a:spAutoFit/>
+          </a:bodyPr>
+          <a:lstStyle/>
+          <a:p>
+            <a:r>
+              <a:rPr lang="en-US" sz="2000" dirty="0"/>
+              <a:t>GET /</a:t>
+            </a:r>
+            <a:r>
+              <a:rPr lang="en-US" sz="2000" dirty="0" err="1"/>
+              <a:t>api</a:t>
+            </a:r>
+            <a:r>
+              <a:rPr lang="en-US" sz="2000" dirty="0"/>
+              <a:t>/products</a:t>
+            </a:r>
+          </a:p>
+          <a:p>
+            <a:r>
+              <a:rPr lang="en-US" sz="2000" dirty="0"/>
+              <a:t>POST /</a:t>
+            </a:r>
+            <a:r>
+              <a:rPr lang="en-US" sz="2000" dirty="0" err="1"/>
+              <a:t>api</a:t>
+            </a:r>
+            <a:r>
+              <a:rPr lang="en-US" sz="2000" dirty="0"/>
+              <a:t>/products</a:t>
+            </a:r>
+          </a:p>
+          <a:p>
+            <a:r>
+              <a:rPr lang="en-US" sz="2000" dirty="0"/>
+              <a:t>DELETE /</a:t>
+            </a:r>
+            <a:r>
+              <a:rPr lang="en-US" sz="2000" dirty="0" err="1"/>
+              <a:t>api</a:t>
+            </a:r>
+            <a:r>
+              <a:rPr lang="en-US" sz="2000" dirty="0"/>
+              <a:t>/products/42</a:t>
+            </a:r>
+          </a:p>
+        </p:txBody>
+      </p:sp>
+      <p:pic>
+        <p:nvPicPr>
+          <p:cNvPr id="1032" name="Picture 8" descr="Image result for database sql server"/>
+          <p:cNvPicPr>
+            <a:picLocks noChangeAspect="1" noChangeArrowheads="1"/>
+          </p:cNvPicPr>
+          <p:nvPr/>
+        </p:nvPicPr>
+        <p:blipFill>
+          <a:blip r:embed="rId4">
+            <a:extLst>
+              <a:ext uri="{28A0092B-C50C-407E-A947-70E740481C1C}">
+                <a14:useLocalDpi xmlns:a14="http://schemas.microsoft.com/office/drawing/2010/main" val="0"/>
+              </a:ext>
+            </a:extLst>
+          </a:blip>
+          <a:srcRect/>
+          <a:stretch>
+            <a:fillRect/>
+          </a:stretch>
+        </p:blipFill>
+        <p:spPr bwMode="auto">
+          <a:xfrm>
+            <a:off x="10161906" y="5229265"/>
+            <a:ext cx="1412874" cy="1419181"/>
+          </a:xfrm>
+          <a:prstGeom prst="rect">
+            <a:avLst/>
+          </a:prstGeom>
+          <a:noFill/>
+          <a:extLst>
+            <a:ext uri="{909E8E84-426E-40DD-AFC4-6F175D3DCCD1}">
+              <a14:hiddenFill xmlns:a14="http://schemas.microsoft.com/office/drawing/2010/main">
+                <a:solidFill>
+                  <a:srgbClr val="FFFFFF"/>
+                </a:solidFill>
+              </a14:hiddenFill>
+            </a:ext>
+          </a:extLst>
+        </p:spPr>
+      </p:pic>
+      <p:cxnSp>
+        <p:nvCxnSpPr>
+          <p:cNvPr id="19" name="Straight Arrow Connector 18"/>
+          <p:cNvCxnSpPr>
+            <a:stCxn id="7" idx="3"/>
+            <a:endCxn id="1032" idx="1"/>
+          </p:cNvCxnSpPr>
+          <p:nvPr/>
+        </p:nvCxnSpPr>
+        <p:spPr>
+          <a:xfrm>
+            <a:off x="9075420" y="5938856"/>
+            <a:ext cx="1086486" cy="0"/>
+          </a:xfrm>
+          <a:prstGeom prst="straightConnector1">
+            <a:avLst/>
+          </a:prstGeom>
+          <a:ln w="57150">
+            <a:solidFill>
+              <a:schemeClr val="tx1"/>
+            </a:solidFill>
+            <a:headEnd type="triangle"/>
+            <a:tailEnd type="triangle"/>
+          </a:ln>
+        </p:spPr>
+        <p:style>
+          <a:lnRef idx="1">
+            <a:schemeClr val="accent1"/>
+          </a:lnRef>
+          <a:fillRef idx="0">
+            <a:schemeClr val="accent1"/>
+          </a:fillRef>
+          <a:effectRef idx="0">
+            <a:schemeClr val="accent1"/>
+          </a:effectRef>
+          <a:fontRef idx="minor">
+            <a:schemeClr val="tx1"/>
+          </a:fontRef>
+        </p:style>
+      </p:cxnSp>
+    </p:spTree>
+    <p:extLst>
+      <p:ext uri="{BB962C8B-B14F-4D97-AF65-F5344CB8AC3E}">
+        <p14:creationId xmlns:p14="http://schemas.microsoft.com/office/powerpoint/2010/main" val="1195653437"/>
+      </p:ext>
+    </p:extLst>
+  </p:cSld>
+  <p:clrMapOvr>
+    <a:masterClrMapping/>
+  </p:clrMapOvr>
+</p:sld>
+</file>
+
+<file path=ppt/slides/slide27.xml><?xml version="1.0" encoding="utf-8"?>
+<p:sld xmlns:a="http://schemas.openxmlformats.org/drawingml/2006/main" xmlns:r="http://schemas.openxmlformats.org/officeDocument/2006/relationships" xmlns:p="http://schemas.openxmlformats.org/presentationml/2006/main">
+  <p:cSld>
+    <p:spTree>
+      <p:nvGrpSpPr>
+        <p:cNvPr id="1" name=""/>
+        <p:cNvGrpSpPr/>
+        <p:nvPr/>
+      </p:nvGrpSpPr>
+      <p:grpSpPr>
+        <a:xfrm>
+          <a:off x="0" y="0"/>
+          <a:ext cx="0" cy="0"/>
+          <a:chOff x="0" y="0"/>
+          <a:chExt cx="0" cy="0"/>
+        </a:xfrm>
+      </p:grpSpPr>
+      <p:sp>
+        <p:nvSpPr>
+          <p:cNvPr id="3" name="Content Placeholder 2"/>
+          <p:cNvSpPr>
+            <a:spLocks noGrp="1"/>
+          </p:cNvSpPr>
+          <p:nvPr>
+            <p:ph idx="1"/>
+          </p:nvPr>
+        </p:nvSpPr>
+        <p:spPr>
+          <a:xfrm>
+            <a:off x="327660" y="187893"/>
+            <a:ext cx="11513820" cy="2028670"/>
+          </a:xfrm>
+        </p:spPr>
+        <p:txBody>
+          <a:bodyPr>
+            <a:normAutofit fontScale="92500"/>
+          </a:bodyPr>
+          <a:lstStyle/>
+          <a:p>
+            <a:r>
+              <a:rPr lang="en-US" dirty="0"/>
+              <a:t>From point of view of the browser, no difference between static assets and JSON responses from a REST API</a:t>
+            </a:r>
+          </a:p>
+          <a:p>
+            <a:pPr lvl="1"/>
+            <a:r>
+              <a:rPr lang="en-US" dirty="0"/>
+              <a:t>still going to use HTTP</a:t>
+            </a:r>
+          </a:p>
+          <a:p>
+            <a:r>
+              <a:rPr lang="en-US" i="1" dirty="0"/>
+              <a:t>Frontend</a:t>
+            </a:r>
+            <a:r>
+              <a:rPr lang="en-US" dirty="0"/>
+              <a:t> and </a:t>
+            </a:r>
+            <a:r>
+              <a:rPr lang="en-US" i="1" dirty="0"/>
+              <a:t>backend</a:t>
+            </a:r>
+            <a:r>
+              <a:rPr lang="en-US" dirty="0"/>
+              <a:t> can be handled by the same HTTP server</a:t>
+            </a:r>
+          </a:p>
+        </p:txBody>
+      </p:sp>
+      <p:pic>
+        <p:nvPicPr>
+          <p:cNvPr id="1028" name="Picture 4" descr="Related image"/>
+          <p:cNvPicPr>
+            <a:picLocks noChangeAspect="1" noChangeArrowheads="1"/>
+          </p:cNvPicPr>
+          <p:nvPr/>
+        </p:nvPicPr>
+        <p:blipFill>
+          <a:blip r:embed="rId2" cstate="hqprint">
+            <a:extLst>
+              <a:ext uri="{28A0092B-C50C-407E-A947-70E740481C1C}">
+                <a14:useLocalDpi xmlns:a14="http://schemas.microsoft.com/office/drawing/2010/main" val="0"/>
+              </a:ext>
+            </a:extLst>
+          </a:blip>
+          <a:srcRect/>
+          <a:stretch>
+            <a:fillRect/>
+          </a:stretch>
+        </p:blipFill>
+        <p:spPr bwMode="auto">
+          <a:xfrm flipH="1">
+            <a:off x="1407794" y="4462147"/>
+            <a:ext cx="1298574" cy="1298574"/>
+          </a:xfrm>
+          <a:prstGeom prst="rect">
+            <a:avLst/>
+          </a:prstGeom>
+          <a:noFill/>
+          <a:extLst>
+            <a:ext uri="{909E8E84-426E-40DD-AFC4-6F175D3DCCD1}">
+              <a14:hiddenFill xmlns:a14="http://schemas.microsoft.com/office/drawing/2010/main">
+                <a:solidFill>
+                  <a:srgbClr val="FFFFFF"/>
+                </a:solidFill>
+              </a14:hiddenFill>
+            </a:ext>
+          </a:extLst>
+        </p:spPr>
+      </p:pic>
+      <p:pic>
+        <p:nvPicPr>
+          <p:cNvPr id="7" name="Picture 6" descr="Image result for server"/>
+          <p:cNvPicPr>
+            <a:picLocks noChangeAspect="1" noChangeArrowheads="1"/>
+          </p:cNvPicPr>
+          <p:nvPr/>
+        </p:nvPicPr>
+        <p:blipFill>
+          <a:blip r:embed="rId3">
+            <a:extLst>
+              <a:ext uri="{28A0092B-C50C-407E-A947-70E740481C1C}">
+                <a14:useLocalDpi xmlns:a14="http://schemas.microsoft.com/office/drawing/2010/main" val="0"/>
+              </a:ext>
+            </a:extLst>
+          </a:blip>
+          <a:srcRect/>
+          <a:stretch>
+            <a:fillRect/>
+          </a:stretch>
+        </p:blipFill>
+        <p:spPr bwMode="auto">
+          <a:xfrm>
+            <a:off x="6985317" y="4257059"/>
+            <a:ext cx="2270126" cy="1708750"/>
+          </a:xfrm>
+          <a:prstGeom prst="rect">
+            <a:avLst/>
+          </a:prstGeom>
+          <a:noFill/>
+          <a:extLst>
+            <a:ext uri="{909E8E84-426E-40DD-AFC4-6F175D3DCCD1}">
+              <a14:hiddenFill xmlns:a14="http://schemas.microsoft.com/office/drawing/2010/main">
+                <a:solidFill>
+                  <a:srgbClr val="FFFFFF"/>
+                </a:solidFill>
+              </a14:hiddenFill>
+            </a:ext>
+          </a:extLst>
+        </p:spPr>
+      </p:pic>
+      <p:sp>
+        <p:nvSpPr>
+          <p:cNvPr id="9" name="TextBox 8"/>
+          <p:cNvSpPr txBox="1"/>
+          <p:nvPr/>
+        </p:nvSpPr>
+        <p:spPr>
+          <a:xfrm>
+            <a:off x="7184326" y="6258727"/>
+            <a:ext cx="2009268" cy="461665"/>
+          </a:xfrm>
+          <a:prstGeom prst="rect">
+            <a:avLst/>
+          </a:prstGeom>
+          <a:noFill/>
+        </p:spPr>
+        <p:txBody>
+          <a:bodyPr wrap="none" rtlCol="0">
+            <a:spAutoFit/>
+          </a:bodyPr>
+          <a:lstStyle/>
+          <a:p>
+            <a:r>
+              <a:rPr lang="en-US" sz="2400" dirty="0"/>
+              <a:t>localhost:8080</a:t>
+            </a:r>
+          </a:p>
+        </p:txBody>
+      </p:sp>
+      <p:cxnSp>
+        <p:nvCxnSpPr>
+          <p:cNvPr id="12" name="Straight Arrow Connector 11"/>
+          <p:cNvCxnSpPr>
+            <a:stCxn id="1028" idx="1"/>
+            <a:endCxn id="7" idx="1"/>
+          </p:cNvCxnSpPr>
+          <p:nvPr/>
+        </p:nvCxnSpPr>
+        <p:spPr>
+          <a:xfrm>
+            <a:off x="2706368" y="5111434"/>
+            <a:ext cx="4278949" cy="0"/>
+          </a:xfrm>
+          <a:prstGeom prst="straightConnector1">
+            <a:avLst/>
+          </a:prstGeom>
+          <a:ln w="57150">
+            <a:solidFill>
+              <a:schemeClr val="tx1"/>
+            </a:solidFill>
+            <a:tailEnd type="triangle"/>
+          </a:ln>
+        </p:spPr>
+        <p:style>
+          <a:lnRef idx="1">
+            <a:schemeClr val="accent1"/>
+          </a:lnRef>
+          <a:fillRef idx="0">
+            <a:schemeClr val="accent1"/>
+          </a:fillRef>
+          <a:effectRef idx="0">
+            <a:schemeClr val="accent1"/>
+          </a:effectRef>
+          <a:fontRef idx="minor">
+            <a:schemeClr val="tx1"/>
+          </a:fontRef>
+        </p:style>
+      </p:cxnSp>
+      <p:sp>
+        <p:nvSpPr>
+          <p:cNvPr id="13" name="TextBox 12"/>
+          <p:cNvSpPr txBox="1"/>
+          <p:nvPr/>
+        </p:nvSpPr>
+        <p:spPr>
+          <a:xfrm>
+            <a:off x="3446613" y="3070937"/>
+            <a:ext cx="2798458" cy="1938992"/>
+          </a:xfrm>
+          <a:prstGeom prst="rect">
+            <a:avLst/>
+          </a:prstGeom>
+          <a:noFill/>
+        </p:spPr>
+        <p:txBody>
+          <a:bodyPr wrap="none" rtlCol="0">
+            <a:spAutoFit/>
+          </a:bodyPr>
+          <a:lstStyle/>
+          <a:p>
+            <a:r>
+              <a:rPr lang="en-US" sz="2000" dirty="0"/>
+              <a:t>GET /</a:t>
+            </a:r>
+          </a:p>
+          <a:p>
+            <a:r>
+              <a:rPr lang="en-US" sz="2000" dirty="0"/>
+              <a:t>GET /style.css</a:t>
+            </a:r>
+          </a:p>
+          <a:p>
+            <a:r>
+              <a:rPr lang="en-US" sz="2000" dirty="0"/>
+              <a:t>GET /bundle.js</a:t>
+            </a:r>
+          </a:p>
+          <a:p>
+            <a:r>
+              <a:rPr lang="en-US" sz="2000" dirty="0"/>
+              <a:t>GET /</a:t>
+            </a:r>
+            <a:r>
+              <a:rPr lang="en-US" sz="2000" dirty="0" err="1"/>
+              <a:t>api</a:t>
+            </a:r>
+            <a:r>
+              <a:rPr lang="en-US" sz="2000" dirty="0"/>
+              <a:t>/products</a:t>
+            </a:r>
+          </a:p>
+          <a:p>
+            <a:r>
+              <a:rPr lang="en-US" sz="2000" dirty="0"/>
+              <a:t>POST /</a:t>
+            </a:r>
+            <a:r>
+              <a:rPr lang="en-US" sz="2000" dirty="0" err="1"/>
+              <a:t>api</a:t>
+            </a:r>
+            <a:r>
+              <a:rPr lang="en-US" sz="2000" dirty="0"/>
+              <a:t>/products</a:t>
+            </a:r>
+          </a:p>
+          <a:p>
+            <a:r>
+              <a:rPr lang="en-US" sz="2000" dirty="0"/>
+              <a:t>DELETE /</a:t>
+            </a:r>
+            <a:r>
+              <a:rPr lang="en-US" sz="2000" dirty="0" err="1"/>
+              <a:t>api</a:t>
+            </a:r>
+            <a:r>
+              <a:rPr lang="en-US" sz="2000" dirty="0"/>
+              <a:t>/products/42</a:t>
+            </a:r>
+          </a:p>
+        </p:txBody>
+      </p:sp>
+      <p:pic>
+        <p:nvPicPr>
+          <p:cNvPr id="1032" name="Picture 8" descr="Image result for database sql server"/>
+          <p:cNvPicPr>
+            <a:picLocks noChangeAspect="1" noChangeArrowheads="1"/>
+          </p:cNvPicPr>
+          <p:nvPr/>
+        </p:nvPicPr>
+        <p:blipFill>
+          <a:blip r:embed="rId4">
+            <a:extLst>
+              <a:ext uri="{28A0092B-C50C-407E-A947-70E740481C1C}">
+                <a14:useLocalDpi xmlns:a14="http://schemas.microsoft.com/office/drawing/2010/main" val="0"/>
+              </a:ext>
+            </a:extLst>
+          </a:blip>
+          <a:srcRect/>
+          <a:stretch>
+            <a:fillRect/>
+          </a:stretch>
+        </p:blipFill>
+        <p:spPr bwMode="auto">
+          <a:xfrm>
+            <a:off x="10161906" y="4401843"/>
+            <a:ext cx="1412874" cy="1419181"/>
+          </a:xfrm>
+          <a:prstGeom prst="rect">
+            <a:avLst/>
+          </a:prstGeom>
+          <a:noFill/>
+          <a:extLst>
+            <a:ext uri="{909E8E84-426E-40DD-AFC4-6F175D3DCCD1}">
+              <a14:hiddenFill xmlns:a14="http://schemas.microsoft.com/office/drawing/2010/main">
+                <a:solidFill>
+                  <a:srgbClr val="FFFFFF"/>
+                </a:solidFill>
+              </a14:hiddenFill>
+            </a:ext>
+          </a:extLst>
+        </p:spPr>
+      </p:pic>
+      <p:cxnSp>
+        <p:nvCxnSpPr>
+          <p:cNvPr id="19" name="Straight Arrow Connector 18"/>
+          <p:cNvCxnSpPr>
+            <a:stCxn id="7" idx="3"/>
+            <a:endCxn id="1032" idx="1"/>
+          </p:cNvCxnSpPr>
+          <p:nvPr/>
+        </p:nvCxnSpPr>
+        <p:spPr>
+          <a:xfrm>
+            <a:off x="9255443" y="5111434"/>
+            <a:ext cx="906463" cy="0"/>
+          </a:xfrm>
+          <a:prstGeom prst="straightConnector1">
+            <a:avLst/>
+          </a:prstGeom>
+          <a:ln w="57150">
+            <a:solidFill>
+              <a:schemeClr val="tx1"/>
+            </a:solidFill>
+            <a:headEnd type="triangle"/>
+            <a:tailEnd type="triangle"/>
+          </a:ln>
+        </p:spPr>
+        <p:style>
+          <a:lnRef idx="1">
+            <a:schemeClr val="accent1"/>
+          </a:lnRef>
+          <a:fillRef idx="0">
+            <a:schemeClr val="accent1"/>
+          </a:fillRef>
+          <a:effectRef idx="0">
+            <a:schemeClr val="accent1"/>
+          </a:effectRef>
+          <a:fontRef idx="minor">
+            <a:schemeClr val="tx1"/>
+          </a:fontRef>
+        </p:style>
+      </p:cxnSp>
+    </p:spTree>
+    <p:extLst>
+      <p:ext uri="{BB962C8B-B14F-4D97-AF65-F5344CB8AC3E}">
+        <p14:creationId xmlns:p14="http://schemas.microsoft.com/office/powerpoint/2010/main" val="4254114610"/>
+      </p:ext>
+    </p:extLst>
+  </p:cSld>
+  <p:clrMapOvr>
+    <a:masterClrMapping/>
+  </p:clrMapOvr>
+</p:sld>
+</file>
+
+<file path=ppt/slides/slide28.xml><?xml version="1.0" encoding="utf-8"?>
+<p:sld xmlns:a="http://schemas.openxmlformats.org/drawingml/2006/main" xmlns:r="http://schemas.openxmlformats.org/officeDocument/2006/relationships" xmlns:p="http://schemas.openxmlformats.org/presentationml/2006/main">
+  <p:cSld>
+    <p:spTree>
+      <p:nvGrpSpPr>
+        <p:cNvPr id="1" name=""/>
+        <p:cNvGrpSpPr/>
+        <p:nvPr/>
+      </p:nvGrpSpPr>
+      <p:grpSpPr>
+        <a:xfrm>
+          <a:off x="0" y="0"/>
+          <a:ext cx="0" cy="0"/>
+          <a:chOff x="0" y="0"/>
+          <a:chExt cx="0" cy="0"/>
+        </a:xfrm>
+      </p:grpSpPr>
+      <p:sp>
+        <p:nvSpPr>
+          <p:cNvPr id="2" name="Title 1">
+            <a:extLst>
+              <a:ext uri="{FF2B5EF4-FFF2-40B4-BE49-F238E27FC236}">
+                <a16:creationId xmlns:a16="http://schemas.microsoft.com/office/drawing/2014/main" id="{A0374D61-A941-554E-B523-F4F47A1A0BBB}"/>
+              </a:ext>
+            </a:extLst>
+          </p:cNvPr>
+          <p:cNvSpPr>
+            <a:spLocks noGrp="1"/>
+          </p:cNvSpPr>
+          <p:nvPr>
+            <p:ph type="title"/>
+          </p:nvPr>
+        </p:nvSpPr>
+        <p:spPr/>
+        <p:txBody>
+          <a:bodyPr/>
+          <a:lstStyle/>
+          <a:p>
+            <a:r>
+              <a:rPr lang="en-US" dirty="0"/>
+              <a:t>Web Application in </a:t>
+            </a:r>
+            <a:r>
+              <a:rPr lang="en-US" dirty="0" err="1"/>
+              <a:t>SpringBoot</a:t>
+            </a:r>
+            <a:endParaRPr lang="en-US" dirty="0"/>
+          </a:p>
+        </p:txBody>
+      </p:sp>
+      <p:sp>
+        <p:nvSpPr>
+          <p:cNvPr id="3" name="Content Placeholder 2">
+            <a:extLst>
+              <a:ext uri="{FF2B5EF4-FFF2-40B4-BE49-F238E27FC236}">
+                <a16:creationId xmlns:a16="http://schemas.microsoft.com/office/drawing/2014/main" id="{82A82A1F-4C09-5742-A4EB-E8CB998DDAB4}"/>
+              </a:ext>
+            </a:extLst>
+          </p:cNvPr>
+          <p:cNvSpPr>
+            <a:spLocks noGrp="1"/>
+          </p:cNvSpPr>
+          <p:nvPr>
+            <p:ph idx="1"/>
+          </p:nvPr>
+        </p:nvSpPr>
+        <p:spPr>
+          <a:xfrm>
+            <a:off x="177553" y="1825625"/>
+            <a:ext cx="11878323" cy="4885894"/>
+          </a:xfrm>
+        </p:spPr>
+        <p:txBody>
+          <a:bodyPr>
+            <a:normAutofit lnSpcReduction="10000"/>
+          </a:bodyPr>
+          <a:lstStyle/>
+          <a:p>
+            <a:r>
+              <a:rPr lang="en-US" dirty="0"/>
+              <a:t>By default, </a:t>
+            </a:r>
+            <a:r>
+              <a:rPr lang="en-US" i="1" dirty="0" err="1"/>
+              <a:t>SpringBoot</a:t>
+            </a:r>
+            <a:r>
+              <a:rPr lang="en-US" dirty="0"/>
+              <a:t> runs </a:t>
+            </a:r>
+            <a:r>
+              <a:rPr lang="en-US" i="1" dirty="0"/>
+              <a:t>Tomcat</a:t>
+            </a:r>
+            <a:r>
+              <a:rPr lang="en-US" dirty="0"/>
+              <a:t> server</a:t>
+            </a:r>
+          </a:p>
+          <a:p>
+            <a:r>
+              <a:rPr lang="en-US" dirty="0"/>
+              <a:t>Files under </a:t>
+            </a:r>
+            <a:r>
+              <a:rPr lang="en-US" i="1" dirty="0"/>
+              <a:t>resources/static </a:t>
+            </a:r>
+            <a:r>
+              <a:rPr lang="en-US" dirty="0"/>
+              <a:t>will be served as static resources over HTTP</a:t>
+            </a:r>
+          </a:p>
+          <a:p>
+            <a:r>
+              <a:rPr lang="en-US" dirty="0"/>
+              <a:t>Can call </a:t>
+            </a:r>
+            <a:r>
+              <a:rPr lang="en-US" i="1" dirty="0"/>
+              <a:t>YARN</a:t>
+            </a:r>
+            <a:r>
+              <a:rPr lang="en-US" dirty="0"/>
+              <a:t> from </a:t>
+            </a:r>
+            <a:r>
+              <a:rPr lang="en-US" i="1" dirty="0"/>
+              <a:t>Maven</a:t>
+            </a:r>
+            <a:r>
+              <a:rPr lang="en-US" dirty="0"/>
+              <a:t> to build the </a:t>
+            </a:r>
+            <a:r>
+              <a:rPr lang="en-US" i="1" dirty="0" err="1"/>
+              <a:t>bundle.js</a:t>
+            </a:r>
+            <a:r>
+              <a:rPr lang="en-US" dirty="0"/>
+              <a:t>, and copy over directly into </a:t>
+            </a:r>
+            <a:r>
+              <a:rPr lang="en-US" i="1" dirty="0"/>
+              <a:t>target/classes/static</a:t>
+            </a:r>
+          </a:p>
+          <a:p>
+            <a:pPr lvl="1"/>
+            <a:r>
+              <a:rPr lang="en-US" dirty="0"/>
+              <a:t>which will be hence part of the generated </a:t>
+            </a:r>
+            <a:r>
+              <a:rPr lang="en-US" i="1" dirty="0"/>
+              <a:t>jar</a:t>
+            </a:r>
+            <a:r>
+              <a:rPr lang="en-US" dirty="0"/>
+              <a:t> file</a:t>
+            </a:r>
+          </a:p>
+          <a:p>
+            <a:r>
+              <a:rPr lang="en-US" dirty="0"/>
+              <a:t>Note: in a microservice, we might want to run NodeJS to handle server-side rendering for SPAs to handle SEO</a:t>
+            </a:r>
+          </a:p>
+          <a:p>
+            <a:pPr lvl="1"/>
+            <a:r>
+              <a:rPr lang="en-US" dirty="0"/>
+              <a:t>Up to Java 8, that could had been done as well on JVM with </a:t>
+            </a:r>
+            <a:r>
+              <a:rPr lang="en-US" i="1" dirty="0" err="1"/>
+              <a:t>Nashorn</a:t>
+            </a:r>
+            <a:r>
+              <a:rPr lang="en-US" dirty="0"/>
+              <a:t>, but it is now deprecated…  could be doable though with </a:t>
+            </a:r>
+            <a:r>
+              <a:rPr lang="en-US" i="1" dirty="0" err="1"/>
+              <a:t>GraalVM</a:t>
+            </a:r>
+            <a:endParaRPr lang="en-US" i="1" dirty="0"/>
+          </a:p>
+        </p:txBody>
+      </p:sp>
+    </p:spTree>
+    <p:extLst>
+      <p:ext uri="{BB962C8B-B14F-4D97-AF65-F5344CB8AC3E}">
+        <p14:creationId xmlns:p14="http://schemas.microsoft.com/office/powerpoint/2010/main" val="2064743322"/>
+      </p:ext>
+    </p:extLst>
+  </p:cSld>
+  <p:clrMapOvr>
+    <a:masterClrMapping/>
+  </p:clrMapOvr>
+</p:sld>
+</file>
+
+<file path=ppt/slides/slide29.xml><?xml version="1.0" encoding="utf-8"?>
+<p:sld xmlns:a="http://schemas.openxmlformats.org/drawingml/2006/main" xmlns:r="http://schemas.openxmlformats.org/officeDocument/2006/relationships" xmlns:p="http://schemas.openxmlformats.org/presentationml/2006/main">
+  <p:cSld>
+    <p:spTree>
+      <p:nvGrpSpPr>
+        <p:cNvPr id="1" name=""/>
+        <p:cNvGrpSpPr/>
+        <p:nvPr/>
+      </p:nvGrpSpPr>
+      <p:grpSpPr>
+        <a:xfrm>
+          <a:off x="0" y="0"/>
+          <a:ext cx="0" cy="0"/>
+          <a:chOff x="0" y="0"/>
+          <a:chExt cx="0" cy="0"/>
+        </a:xfrm>
+      </p:grpSpPr>
+      <p:sp>
+        <p:nvSpPr>
           <p:cNvPr id="4" name="Title 3"/>
           <p:cNvSpPr>
             <a:spLocks noGrp="1"/>
@@ -6197,14 +8032,13 @@
           <a:lstStyle/>
           <a:p>
             <a:r>
-              <a:rPr lang="en-US" dirty="0" err="1" smtClean="0"/>
+              <a:rPr lang="en-US" dirty="0" err="1"/>
               <a:t>Git</a:t>
             </a:r>
             <a:r>
-              <a:rPr lang="en-US" dirty="0" smtClean="0"/>
+              <a:rPr lang="en-US" dirty="0"/>
               <a:t> Repository Modules</a:t>
             </a:r>
-            <a:endParaRPr lang="en-US" dirty="0"/>
           </a:p>
         </p:txBody>
       </p:sp>
@@ -6231,46 +8065,38 @@
           <a:lstStyle/>
           <a:p>
             <a:r>
-              <a:rPr lang="en-US" i="1" dirty="0" smtClean="0"/>
+              <a:rPr lang="en-US" i="1" dirty="0"/>
               <a:t>NOTE: most of the explanations will be directly in the code as comments, and not here in the slides</a:t>
             </a:r>
-            <a:endParaRPr lang="en-US" b="1" dirty="0" smtClean="0"/>
-          </a:p>
-          <a:p>
-            <a:r>
-              <a:rPr lang="en-US" b="1" dirty="0" smtClean="0"/>
+            <a:endParaRPr lang="en-US" b="1" dirty="0"/>
+          </a:p>
+          <a:p>
+            <a:r>
+              <a:rPr lang="en-US" b="1" dirty="0"/>
               <a:t>advanced/rest/charset</a:t>
             </a:r>
-            <a:endParaRPr lang="en-US" b="1" dirty="0" smtClean="0"/>
-          </a:p>
-          <a:p>
-            <a:r>
-              <a:rPr lang="en-US" b="1" dirty="0" smtClean="0"/>
+          </a:p>
+          <a:p>
+            <a:r>
+              <a:rPr lang="en-US" b="1" dirty="0"/>
               <a:t>advanced/rest/patch</a:t>
             </a:r>
           </a:p>
           <a:p>
             <a:r>
-              <a:rPr lang="en-US" dirty="0"/>
-              <a:t>Study </a:t>
-            </a:r>
-            <a:r>
-              <a:rPr lang="en-US" dirty="0" smtClean="0"/>
-              <a:t>RFC-5789 </a:t>
-            </a:r>
-            <a:r>
-              <a:rPr lang="en-US" dirty="0"/>
-              <a:t>and </a:t>
-            </a:r>
-            <a:r>
-              <a:rPr lang="en-US" dirty="0" smtClean="0"/>
-              <a:t>RFC-7396</a:t>
-            </a:r>
-            <a:endParaRPr lang="en-US" dirty="0" smtClean="0"/>
-          </a:p>
-          <a:p>
-            <a:r>
-              <a:rPr lang="en-US" dirty="0" smtClean="0"/>
+              <a:rPr lang="en-US" b="1" dirty="0"/>
+              <a:t>advanced/rest/gui-v1</a:t>
+            </a:r>
+          </a:p>
+          <a:p>
+            <a:r>
+              <a:rPr lang="en-US" dirty="0"/>
+              <a:t>Study RFC-5789 and RFC-7396</a:t>
+            </a:r>
+          </a:p>
+          <a:p>
+            <a:r>
+              <a:rPr lang="en-US" dirty="0"/>
               <a:t>Study relevant sections in RFC-7230 and RFC-7231 </a:t>
             </a:r>
           </a:p>
@@ -6322,29 +8148,9 @@
           <a:lstStyle/>
           <a:p>
             <a:r>
-              <a:rPr lang="en-US" dirty="0" smtClean="0"/>
+              <a:rPr lang="en-US" dirty="0"/>
               <a:t>Charsets</a:t>
             </a:r>
-            <a:endParaRPr lang="en-US" dirty="0"/>
-          </a:p>
-        </p:txBody>
-      </p:sp>
-      <p:sp>
-        <p:nvSpPr>
-          <p:cNvPr id="5" name="Text Placeholder 4"/>
-          <p:cNvSpPr>
-            <a:spLocks noGrp="1"/>
-          </p:cNvSpPr>
-          <p:nvPr>
-            <p:ph type="body" idx="1"/>
-          </p:nvPr>
-        </p:nvSpPr>
-        <p:spPr/>
-        <p:txBody>
-          <a:bodyPr/>
-          <a:lstStyle/>
-          <a:p>
-            <a:endParaRPr lang="en-US"/>
           </a:p>
         </p:txBody>
       </p:sp>
@@ -6396,10 +8202,9 @@
           <a:lstStyle/>
           <a:p>
             <a:r>
-              <a:rPr lang="en-US" sz="6600" dirty="0" smtClean="0"/>
+              <a:rPr lang="en-US" sz="6600" dirty="0"/>
               <a:t>Charsets</a:t>
             </a:r>
-            <a:endParaRPr lang="en-US" sz="6600" dirty="0"/>
           </a:p>
         </p:txBody>
       </p:sp>
@@ -6426,60 +8231,39 @@
           <a:lstStyle/>
           <a:p>
             <a:r>
-              <a:rPr lang="en-US" sz="3600" dirty="0" smtClean="0"/>
-              <a:t>Each </a:t>
-            </a:r>
-            <a:r>
-              <a:rPr lang="en-US" sz="3600" dirty="0" smtClean="0"/>
-              <a:t>character </a:t>
-            </a:r>
-            <a:r>
-              <a:rPr lang="en-US" sz="3600" dirty="0" smtClean="0"/>
-              <a:t>in a string text is </a:t>
-            </a:r>
-            <a:r>
-              <a:rPr lang="en-US" sz="3600" dirty="0" smtClean="0"/>
-              <a:t>mapped to a </a:t>
-            </a:r>
-            <a:r>
-              <a:rPr lang="en-US" sz="3600" dirty="0" err="1" smtClean="0"/>
+              <a:rPr lang="en-US" sz="3600" dirty="0"/>
+              <a:t>Each character in a string text is mapped to a </a:t>
+            </a:r>
+            <a:r>
+              <a:rPr lang="en-US" sz="3600" dirty="0" err="1"/>
               <a:t>bitstring</a:t>
             </a:r>
             <a:r>
-              <a:rPr lang="en-US" sz="3600" dirty="0" smtClean="0"/>
+              <a:rPr lang="en-US" sz="3600" dirty="0"/>
               <a:t> representation, which can be seen as a number</a:t>
             </a:r>
           </a:p>
           <a:p>
-            <a:endParaRPr lang="en-US" sz="3600" dirty="0" smtClean="0"/>
-          </a:p>
-          <a:p>
-            <a:r>
-              <a:rPr lang="en-US" sz="3600" dirty="0" smtClean="0"/>
-              <a:t>But </a:t>
-            </a:r>
-            <a:r>
-              <a:rPr lang="en-US" sz="3600" dirty="0" smtClean="0"/>
-              <a:t>there are many types of mappings, called </a:t>
-            </a:r>
-            <a:r>
-              <a:rPr lang="en-US" sz="3600" i="1" dirty="0" smtClean="0"/>
+            <a:endParaRPr lang="en-US" sz="3600" dirty="0"/>
+          </a:p>
+          <a:p>
+            <a:r>
+              <a:rPr lang="en-US" sz="3600" dirty="0"/>
+              <a:t>But there are many types of mappings, called </a:t>
+            </a:r>
+            <a:r>
+              <a:rPr lang="en-US" sz="3600" i="1" dirty="0"/>
               <a:t>Charsets</a:t>
             </a:r>
           </a:p>
           <a:p>
-            <a:endParaRPr lang="en-US" sz="3600" dirty="0" smtClean="0"/>
-          </a:p>
-          <a:p>
-            <a:r>
-              <a:rPr lang="en-US" sz="3600" dirty="0" smtClean="0"/>
-              <a:t>Tradeoff</a:t>
-            </a:r>
-            <a:r>
-              <a:rPr lang="en-US" sz="3600" dirty="0" smtClean="0"/>
-              <a:t>: how many characters we can represent vs the size in bits of the representation</a:t>
-            </a:r>
             <a:endParaRPr lang="en-US" sz="3600" dirty="0"/>
+          </a:p>
+          <a:p>
+            <a:r>
+              <a:rPr lang="en-US" sz="3600" dirty="0"/>
+              <a:t>Tradeoff: how many characters we can represent vs the size in bits of the representation</a:t>
+            </a:r>
           </a:p>
         </p:txBody>
       </p:sp>
@@ -6494,13 +8278,6 @@
     <a:masterClrMapping/>
   </p:clrMapOvr>
   <p:transition spd="med"/>
-  <p:timing>
-    <p:tnLst>
-      <p:par>
-        <p:cTn id="1" dur="indefinite" restart="never" nodeType="tmRoot"/>
-      </p:par>
-    </p:tnLst>
-  </p:timing>
 </p:sld>
 </file>
 
@@ -6539,15 +8316,14 @@
           <a:lstStyle/>
           <a:p>
             <a:r>
-              <a:rPr lang="en-US" sz="6600" dirty="0" smtClean="0"/>
+              <a:rPr lang="en-US" sz="6600" dirty="0"/>
               <a:t>ASCII Codes</a:t>
             </a:r>
-            <a:endParaRPr lang="en-US" sz="6600" dirty="0"/>
-          </a:p>
-        </p:txBody>
-      </p:sp>
-      <mc:AlternateContent xmlns:mc="http://schemas.openxmlformats.org/markup-compatibility/2006">
-        <mc:Choice xmlns:a14="http://schemas.microsoft.com/office/drawing/2010/main" Requires="a14">
+          </a:p>
+        </p:txBody>
+      </p:sp>
+      <mc:AlternateContent xmlns:mc="http://schemas.openxmlformats.org/markup-compatibility/2006" xmlns:a14="http://schemas.microsoft.com/office/drawing/2010/main">
+        <mc:Choice Requires="a14">
           <p:sp>
             <p:nvSpPr>
               <p:cNvPr id="3" name="Text Placeholder 2"/>
@@ -6571,7 +8347,7 @@
               <a:lstStyle/>
               <a:p>
                 <a:r>
-                  <a:rPr lang="en-US" sz="3600" b="1" dirty="0" smtClean="0"/>
+                  <a:rPr lang="en-US" sz="3600" b="1" dirty="0"/>
                   <a:t>A</a:t>
                 </a:r>
                 <a:r>
@@ -6603,34 +8379,34 @@
                   <a:t>nformation </a:t>
                 </a:r>
                 <a:r>
-                  <a:rPr lang="en-US" sz="3600" b="1" dirty="0" smtClean="0"/>
+                  <a:rPr lang="en-US" sz="3600" b="1" dirty="0"/>
                   <a:t>I</a:t>
                 </a:r>
                 <a:r>
-                  <a:rPr lang="en-US" sz="3600" dirty="0" smtClean="0"/>
+                  <a:rPr lang="en-US" sz="3600" dirty="0"/>
                   <a:t>nterchange (ASCII)</a:t>
                 </a:r>
               </a:p>
               <a:p>
                 <a:r>
-                  <a:rPr lang="en-US" sz="3600" dirty="0" smtClean="0"/>
+                  <a:rPr lang="en-US" sz="3600" dirty="0"/>
                   <a:t>Mapping for 128 characters commonly used in English</a:t>
                 </a:r>
               </a:p>
               <a:p>
                 <a:pPr lvl="1"/>
                 <a:r>
-                  <a:rPr lang="en-US" sz="2400" dirty="0" err="1" smtClean="0"/>
+                  <a:rPr lang="en-US" sz="2400" dirty="0" err="1"/>
                   <a:t>Eg</a:t>
                 </a:r>
                 <a:r>
-                  <a:rPr lang="en-US" sz="2400" dirty="0" smtClean="0"/>
+                  <a:rPr lang="en-US" sz="2400" dirty="0"/>
                   <a:t>, a-z, A-Z, 0-9, ?, !, #, %, …</a:t>
                 </a:r>
               </a:p>
               <a:p>
                 <a:r>
-                  <a:rPr lang="en-US" sz="3600" dirty="0" smtClean="0"/>
+                  <a:rPr lang="en-US" sz="3600" dirty="0"/>
                   <a:t>As </a:t>
                 </a:r>
                 <a14:m>
@@ -6663,49 +8439,29 @@
                   </m:oMath>
                 </a14:m>
                 <a:r>
-                  <a:rPr lang="en-US" sz="3600" dirty="0" smtClean="0"/>
-                  <a:t>, we just need 7 bits, </a:t>
-                </a:r>
-                <a:r>
-                  <a:rPr lang="en-US" sz="3600" dirty="0" smtClean="0"/>
-                  <a:t>so </a:t>
-                </a:r>
-                <a:r>
-                  <a:rPr lang="en-US" sz="3600" dirty="0" smtClean="0"/>
-                  <a:t>can be </a:t>
-                </a:r>
-                <a:r>
-                  <a:rPr lang="en-US" sz="3600" dirty="0" smtClean="0"/>
-                  <a:t>stored </a:t>
-                </a:r>
-                <a:r>
-                  <a:rPr lang="en-US" sz="3600" dirty="0" smtClean="0"/>
-                  <a:t>in 1 byte</a:t>
+                  <a:rPr lang="en-US" sz="3600" dirty="0"/>
+                  <a:t>, we just need 7 bits, so can be stored in 1 byte</a:t>
                 </a:r>
               </a:p>
               <a:p>
                 <a:r>
-                  <a:rPr lang="en-US" sz="3600" dirty="0" smtClean="0"/>
+                  <a:rPr lang="en-US" sz="3600" dirty="0"/>
                   <a:t>Problem: how to represent special characters like the Norwegian </a:t>
                 </a:r>
                 <a:r>
-                  <a:rPr lang="nb-NO" sz="3600" dirty="0" smtClean="0"/>
+                  <a:rPr lang="nb-NO" sz="3600" dirty="0"/>
                   <a:t>øæåØÆÅ</a:t>
                 </a:r>
                 <a:r>
-                  <a:rPr lang="en-US" sz="3600" dirty="0" smtClean="0"/>
+                  <a:rPr lang="en-US" sz="3600" dirty="0"/>
                   <a:t>, or Japanese </a:t>
                 </a:r>
                 <a:r>
                   <a:rPr lang="ja-JP" altLang="en-US" sz="3600" dirty="0"/>
-                  <a:t>私はアンドレアで</a:t>
+                  <a:t>私はアンドレアです</a:t>
                 </a:r>
                 <a:r>
-                  <a:rPr lang="ja-JP" altLang="en-US" sz="3600" dirty="0" smtClean="0"/>
-                  <a:t>す</a:t>
-                </a:r>
-                <a:r>
-                  <a:rPr lang="en-US" altLang="ja-JP" sz="3600" dirty="0" smtClean="0"/>
+                  <a:rPr lang="en-US" altLang="ja-JP" sz="3600" dirty="0"/>
                   <a:t>???</a:t>
                 </a:r>
                 <a:endParaRPr lang="en-US" sz="3600" dirty="0"/>
@@ -6713,7 +8469,7 @@
             </p:txBody>
           </p:sp>
         </mc:Choice>
-        <mc:Fallback>
+        <mc:Fallback xmlns="">
           <p:sp>
             <p:nvSpPr>
               <p:cNvPr id="3" name="Text Placeholder 2"/>
@@ -6762,13 +8518,6 @@
     <a:masterClrMapping/>
   </p:clrMapOvr>
   <p:transition spd="med"/>
-  <p:timing>
-    <p:tnLst>
-      <p:par>
-        <p:cTn id="1" dur="indefinite" restart="never" nodeType="tmRoot"/>
-      </p:par>
-    </p:tnLst>
-  </p:timing>
 </p:sld>
 </file>
 
@@ -6807,10 +8556,9 @@
           <a:lstStyle/>
           <a:p>
             <a:r>
-              <a:rPr lang="en-US" sz="6600" dirty="0" smtClean="0"/>
+              <a:rPr lang="en-US" sz="6600" dirty="0"/>
               <a:t>Unicode</a:t>
             </a:r>
-            <a:endParaRPr lang="en-US" sz="6600" dirty="0"/>
           </a:p>
         </p:txBody>
       </p:sp>
@@ -6837,80 +8585,57 @@
           <a:lstStyle/>
           <a:p>
             <a:r>
-              <a:rPr lang="en-US" sz="3600" dirty="0" smtClean="0"/>
+              <a:rPr lang="en-US" sz="3600" dirty="0"/>
               <a:t>Standard for encoding of characters</a:t>
             </a:r>
           </a:p>
           <a:p>
             <a:r>
-              <a:rPr lang="en-US" sz="3600" dirty="0" smtClean="0"/>
-              <a:t>Representing </a:t>
-            </a:r>
-            <a:r>
               <a:rPr lang="en-US" sz="3600" dirty="0"/>
-              <a:t>up to </a:t>
-            </a:r>
-            <a:r>
-              <a:rPr lang="en-US" sz="3600" dirty="0" smtClean="0"/>
-              <a:t>1,114,112 possible characters</a:t>
-            </a:r>
-          </a:p>
-          <a:p>
-            <a:r>
-              <a:rPr lang="en-US" sz="3600" dirty="0" smtClean="0"/>
-              <a:t>Currently mapping </a:t>
-            </a:r>
-            <a:r>
-              <a:rPr lang="en-US" sz="3600" dirty="0" smtClean="0"/>
-              <a:t>around 136,755 </a:t>
-            </a:r>
-            <a:r>
-              <a:rPr lang="en-US" sz="3600" dirty="0" smtClean="0"/>
-              <a:t>characters used in most languages around the world</a:t>
-            </a:r>
+              <a:t>Representing up to 1,114,112 possible characters</a:t>
+            </a:r>
+          </a:p>
+          <a:p>
             <a:r>
               <a:rPr lang="en-US" sz="3600" dirty="0"/>
-              <a:t> </a:t>
-            </a:r>
-            <a:endParaRPr lang="en-US" sz="3600" dirty="0" smtClean="0"/>
-          </a:p>
-          <a:p>
-            <a:r>
-              <a:rPr lang="en-US" sz="3600" dirty="0" smtClean="0"/>
-              <a:t>It </a:t>
-            </a:r>
-            <a:r>
-              <a:rPr lang="en-US" sz="3600" dirty="0" smtClean="0"/>
-              <a:t>implies we might need at </a:t>
-            </a:r>
+              <a:t>Currently mapping around 136,755 characters used in most languages around the world </a:t>
+            </a:r>
+          </a:p>
+          <a:p>
+            <a:pPr lvl="1"/>
+            <a:r>
+              <a:rPr lang="en-US" sz="2769" dirty="0"/>
+              <a:t>unfortunately, in 2001 the Unicode Technical Committee rejected the proposal of adding </a:t>
+            </a:r>
+            <a:r>
+              <a:rPr lang="en-US" sz="2769" i="1" dirty="0"/>
+              <a:t>Klingon</a:t>
+            </a:r>
+          </a:p>
+          <a:p>
             <a:r>
               <a:rPr lang="en-US" sz="3600" dirty="0"/>
-              <a:t>least </a:t>
-            </a:r>
-            <a:r>
-              <a:rPr lang="en-US" sz="3600" dirty="0" smtClean="0"/>
-              <a:t>log2(1114112) = 20.08746 bits for the mapping, </a:t>
-            </a:r>
-            <a:r>
-              <a:rPr lang="en-US" sz="3600" dirty="0" err="1" smtClean="0"/>
+              <a:t>It implies we might need at least log2(1114112) = 20.08746 bits for the mapping, </a:t>
+            </a:r>
+            <a:r>
+              <a:rPr lang="en-US" sz="3600" dirty="0" err="1"/>
               <a:t>ie</a:t>
             </a:r>
             <a:r>
-              <a:rPr lang="en-US" sz="3600" dirty="0" smtClean="0"/>
+              <a:rPr lang="en-US" sz="3600" dirty="0"/>
               <a:t> 3 bytes</a:t>
             </a:r>
           </a:p>
           <a:p>
             <a:pPr lvl="1"/>
             <a:r>
-              <a:rPr lang="en-US" sz="2400" dirty="0" err="1" smtClean="0"/>
+              <a:rPr lang="en-US" sz="2400" dirty="0" err="1"/>
               <a:t>Ie</a:t>
             </a:r>
             <a:r>
-              <a:rPr lang="en-US" sz="2400" dirty="0" smtClean="0"/>
+              <a:rPr lang="en-US" sz="2400" dirty="0"/>
               <a:t>, using a single byte is not enough</a:t>
             </a:r>
-            <a:endParaRPr lang="en-US" sz="2400" dirty="0"/>
           </a:p>
         </p:txBody>
       </p:sp>
@@ -6925,13 +8650,6 @@
     <a:masterClrMapping/>
   </p:clrMapOvr>
   <p:transition spd="med"/>
-  <p:timing>
-    <p:tnLst>
-      <p:par>
-        <p:cTn id="1" dur="indefinite" restart="never" nodeType="tmRoot"/>
-      </p:par>
-    </p:tnLst>
-  </p:timing>
 </p:sld>
 </file>
 
@@ -6970,10 +8688,9 @@
           <a:lstStyle/>
           <a:p>
             <a:r>
-              <a:rPr lang="en-US" sz="6600" dirty="0" smtClean="0"/>
+              <a:rPr lang="en-US" sz="6600" dirty="0"/>
               <a:t>Common Charsets</a:t>
             </a:r>
-            <a:endParaRPr lang="en-US" sz="6600" dirty="0"/>
           </a:p>
         </p:txBody>
       </p:sp>
@@ -7001,74 +8718,62 @@
           <a:p>
             <a:r>
               <a:rPr lang="en-US" sz="3600" b="1" dirty="0"/>
-              <a:t>ISO/IEC </a:t>
-            </a:r>
-            <a:r>
-              <a:rPr lang="en-US" sz="3600" b="1" dirty="0" smtClean="0"/>
-              <a:t>8859-1</a:t>
-            </a:r>
-            <a:r>
-              <a:rPr lang="en-US" sz="3600" dirty="0" smtClean="0"/>
+              <a:t>ISO/IEC 8859-1</a:t>
+            </a:r>
+            <a:r>
+              <a:rPr lang="en-US" sz="3600" dirty="0"/>
               <a:t>: using 1 byte, representing up to 256 characters, including Norwegian and Swedish ones, but not full Unicode (</a:t>
             </a:r>
             <a:r>
-              <a:rPr lang="en-US" sz="3600" dirty="0" err="1" smtClean="0"/>
+              <a:rPr lang="en-US" sz="3600" dirty="0" err="1"/>
               <a:t>eg</a:t>
             </a:r>
             <a:r>
-              <a:rPr lang="en-US" sz="3600" dirty="0" smtClean="0"/>
+              <a:rPr lang="en-US" sz="3600" dirty="0"/>
               <a:t>, no Japanese)</a:t>
             </a:r>
           </a:p>
           <a:p>
             <a:r>
-              <a:rPr lang="en-US" sz="3600" b="1" dirty="0" smtClean="0"/>
+              <a:rPr lang="en-US" sz="3600" b="1" dirty="0"/>
               <a:t>UTF-8</a:t>
             </a:r>
             <a:r>
-              <a:rPr lang="en-US" sz="3600" dirty="0" smtClean="0"/>
+              <a:rPr lang="en-US" sz="3600" dirty="0"/>
               <a:t>: </a:t>
             </a:r>
             <a:r>
-              <a:rPr lang="en-US" sz="3600" i="1" dirty="0" smtClean="0"/>
+              <a:rPr lang="en-US" sz="3600" i="1" dirty="0"/>
               <a:t>most used encoding</a:t>
             </a:r>
             <a:r>
-              <a:rPr lang="en-US" sz="3600" dirty="0" smtClean="0"/>
-              <a:t>. Multi-byte representation, up to 4 bytes. Can represent whole Unicode. </a:t>
-            </a:r>
-            <a:r>
-              <a:rPr lang="en-US" sz="3600" dirty="0" smtClean="0"/>
-              <a:t>ASCII </a:t>
-            </a:r>
-            <a:r>
-              <a:rPr lang="en-US" sz="3600" dirty="0" smtClean="0"/>
-              <a:t>(most common) codes need 1 byte, but Norwegian need 2</a:t>
-            </a:r>
-          </a:p>
-          <a:p>
-            <a:r>
-              <a:rPr lang="en-US" sz="3600" b="1" dirty="0" smtClean="0"/>
+              <a:rPr lang="en-US" sz="3600" dirty="0"/>
+              <a:t>. Multi-byte representation, up to 4 bytes. Can represent whole Unicode. ASCII (most common) codes need 1 byte, but Norwegian need 2</a:t>
+            </a:r>
+          </a:p>
+          <a:p>
+            <a:r>
+              <a:rPr lang="en-US" sz="3600" b="1" dirty="0"/>
               <a:t>UTF-16</a:t>
             </a:r>
             <a:r>
-              <a:rPr lang="en-US" sz="3600" dirty="0" smtClean="0"/>
+              <a:rPr lang="en-US" sz="3600" dirty="0"/>
               <a:t>: used internally by Java (</a:t>
             </a:r>
             <a:r>
-              <a:rPr lang="en-US" sz="3600" dirty="0" err="1" smtClean="0"/>
+              <a:rPr lang="en-US" sz="3600" dirty="0" err="1"/>
               <a:t>eg</a:t>
             </a:r>
             <a:r>
-              <a:rPr lang="en-US" sz="3600" dirty="0" smtClean="0"/>
+              <a:rPr lang="en-US" sz="3600" dirty="0"/>
               <a:t>, “char” variables). Each character takes </a:t>
             </a:r>
             <a:r>
-              <a:rPr lang="en-US" sz="3600" i="1" dirty="0" smtClean="0"/>
+              <a:rPr lang="en-US" sz="3600" i="1" dirty="0"/>
               <a:t>at least</a:t>
             </a:r>
             <a:r>
-              <a:rPr lang="en-US" sz="3600" dirty="0" smtClean="0"/>
+              <a:rPr lang="en-US" sz="3600" dirty="0"/>
               <a:t> 2 bytes. Covers whole Unicode. </a:t>
             </a:r>
           </a:p>
@@ -7085,13 +8790,6 @@
     <a:masterClrMapping/>
   </p:clrMapOvr>
   <p:transition spd="med"/>
-  <p:timing>
-    <p:tnLst>
-      <p:par>
-        <p:cTn id="1" dur="indefinite" restart="never" nodeType="tmRoot"/>
-      </p:par>
-    </p:tnLst>
-  </p:timing>
 </p:sld>
 </file>
 
@@ -7130,10 +8828,9 @@
           <a:lstStyle/>
           <a:p>
             <a:r>
-              <a:rPr lang="en-US" sz="6600" dirty="0" smtClean="0"/>
+              <a:rPr lang="en-US" sz="6600" dirty="0"/>
               <a:t>Parsing ISO-8859-1</a:t>
             </a:r>
-            <a:endParaRPr lang="en-US" sz="6600" dirty="0"/>
           </a:p>
         </p:txBody>
       </p:sp>
@@ -7160,32 +8857,23 @@
           <a:lstStyle/>
           <a:p>
             <a:r>
-              <a:rPr lang="en-US" sz="3600" dirty="0" smtClean="0"/>
-              <a:t>As each character is 1 byte, </a:t>
-            </a:r>
-            <a:r>
-              <a:rPr lang="en-US" sz="3600" dirty="0" smtClean="0"/>
-              <a:t>we </a:t>
-            </a:r>
-            <a:r>
-              <a:rPr lang="en-US" sz="3600" dirty="0" smtClean="0"/>
-              <a:t>just read 1 byte (</a:t>
-            </a:r>
-            <a:r>
-              <a:rPr lang="en-US" sz="3600" dirty="0" err="1" smtClean="0"/>
+              <a:rPr lang="en-US" sz="3600" dirty="0"/>
+              <a:t>As each character is 1 byte, we just read 1 byte (</a:t>
+            </a:r>
+            <a:r>
+              <a:rPr lang="en-US" sz="3600" dirty="0" err="1"/>
               <a:t>ie</a:t>
             </a:r>
             <a:r>
-              <a:rPr lang="en-US" sz="3600" dirty="0" smtClean="0"/>
+              <a:rPr lang="en-US" sz="3600" dirty="0"/>
               <a:t> 8 bits) at a time</a:t>
             </a:r>
           </a:p>
           <a:p>
             <a:r>
-              <a:rPr lang="en-US" sz="3600" dirty="0" smtClean="0"/>
+              <a:rPr lang="en-US" sz="3600" dirty="0"/>
               <a:t>Direct mapping from 8 bits to a specific character</a:t>
             </a:r>
-            <a:endParaRPr lang="en-US" sz="3600" dirty="0"/>
           </a:p>
         </p:txBody>
       </p:sp>
@@ -7200,13 +8888,6 @@
     <a:masterClrMapping/>
   </p:clrMapOvr>
   <p:transition spd="med"/>
-  <p:timing>
-    <p:tnLst>
-      <p:par>
-        <p:cTn id="1" dur="indefinite" restart="never" nodeType="tmRoot"/>
-      </p:par>
-    </p:tnLst>
-  </p:timing>
 </p:sld>
 </file>
 
@@ -7245,10 +8926,9 @@
           <a:lstStyle/>
           <a:p>
             <a:r>
-              <a:rPr lang="en-US" sz="6600" dirty="0" smtClean="0"/>
+              <a:rPr lang="en-US" sz="6600" dirty="0"/>
               <a:t>Parsing UTF-8</a:t>
             </a:r>
-            <a:endParaRPr lang="en-US" sz="6600" dirty="0"/>
           </a:p>
         </p:txBody>
       </p:sp>
@@ -7275,23 +8955,23 @@
           <a:lstStyle/>
           <a:p>
             <a:r>
-              <a:rPr lang="en-US" sz="3600" dirty="0" smtClean="0"/>
+              <a:rPr lang="en-US" sz="3600" dirty="0"/>
               <a:t>Read 1 byte at a time, but need to find out if single byte character (</a:t>
             </a:r>
             <a:r>
-              <a:rPr lang="en-US" sz="3600" dirty="0" err="1" smtClean="0"/>
+              <a:rPr lang="en-US" sz="3600" dirty="0" err="1"/>
               <a:t>eg</a:t>
             </a:r>
             <a:r>
-              <a:rPr lang="en-US" sz="3600" dirty="0" smtClean="0"/>
+              <a:rPr lang="en-US" sz="3600" dirty="0"/>
               <a:t>, “A”), or beginning of multi-byte one (</a:t>
             </a:r>
             <a:r>
-              <a:rPr lang="en-US" sz="3600" dirty="0" err="1" smtClean="0"/>
+              <a:rPr lang="en-US" sz="3600" dirty="0" err="1"/>
               <a:t>eg</a:t>
             </a:r>
             <a:r>
-              <a:rPr lang="en-US" sz="3600" dirty="0" smtClean="0"/>
+              <a:rPr lang="en-US" sz="3600" dirty="0"/>
               <a:t>, “</a:t>
             </a:r>
             <a:r>
@@ -7299,48 +8979,48 @@
               <a:t>Ø</a:t>
             </a:r>
             <a:r>
-              <a:rPr lang="en-US" sz="3600" dirty="0" smtClean="0"/>
+              <a:rPr lang="en-US" sz="3600" dirty="0"/>
               <a:t>” or “</a:t>
             </a:r>
             <a:r>
-              <a:rPr lang="ja-JP" altLang="en-US" sz="3600" dirty="0" smtClean="0"/>
+              <a:rPr lang="ja-JP" altLang="en-US" sz="3600" dirty="0"/>
               <a:t>す</a:t>
             </a:r>
             <a:r>
-              <a:rPr lang="en-US" sz="3600" dirty="0" smtClean="0"/>
+              <a:rPr lang="en-US" sz="3600" dirty="0"/>
               <a:t>”)</a:t>
             </a:r>
           </a:p>
           <a:p>
             <a:r>
-              <a:rPr lang="en-US" sz="3600" dirty="0" smtClean="0"/>
+              <a:rPr lang="en-US" sz="3600" dirty="0"/>
               <a:t>If multi-byte character, need to read all of them before being able to map them to a single char</a:t>
             </a:r>
           </a:p>
           <a:p>
             <a:r>
-              <a:rPr lang="en-US" sz="3600" dirty="0" smtClean="0"/>
+              <a:rPr lang="en-US" sz="3600" dirty="0"/>
               <a:t>Look at first 2 bits in each byte:</a:t>
             </a:r>
           </a:p>
           <a:p>
             <a:pPr lvl="1"/>
             <a:r>
-              <a:rPr lang="en-US" sz="2400" dirty="0" smtClean="0"/>
+              <a:rPr lang="en-US" sz="2400" dirty="0"/>
               <a:t>0xxxxxxx -&gt; single byte character (using remaining 7 bits)</a:t>
             </a:r>
           </a:p>
           <a:p>
             <a:pPr lvl="1"/>
             <a:r>
-              <a:rPr lang="en-US" sz="2400" dirty="0" smtClean="0"/>
+              <a:rPr lang="en-US" sz="2400" dirty="0"/>
               <a:t>11xxxxxx -&gt; beginning of a multi-byte character</a:t>
             </a:r>
           </a:p>
           <a:p>
             <a:pPr lvl="1"/>
             <a:r>
-              <a:rPr lang="en-US" sz="2400" dirty="0" smtClean="0"/>
+              <a:rPr lang="en-US" sz="2400" dirty="0"/>
               <a:t>10xxxxxx -&gt; continuation of a multi-byte character</a:t>
             </a:r>
           </a:p>
@@ -7357,13 +9037,6 @@
     <a:masterClrMapping/>
   </p:clrMapOvr>
   <p:transition spd="med"/>
-  <p:timing>
-    <p:tnLst>
-      <p:par>
-        <p:cTn id="1" dur="indefinite" restart="never" nodeType="tmRoot"/>
-      </p:par>
-    </p:tnLst>
-  </p:timing>
 </p:sld>
 </file>
 
